--- a/talks/src/class05.pptx
+++ b/talks/src/class05.pptx
@@ -6,10 +6,10 @@
     <p:sldMasterId id="2147483660" r:id="rId2"/>
   </p:sldMasterIdLst>
   <p:notesMasterIdLst>
-    <p:notesMasterId r:id="rId26"/>
+    <p:notesMasterId r:id="rId25"/>
   </p:notesMasterIdLst>
   <p:handoutMasterIdLst>
-    <p:handoutMasterId r:id="rId27"/>
+    <p:handoutMasterId r:id="rId26"/>
   </p:handoutMasterIdLst>
   <p:sldIdLst>
     <p:sldId id="280" r:id="rId3"/>
@@ -32,9 +32,8 @@
     <p:sldId id="381" r:id="rId20"/>
     <p:sldId id="382" r:id="rId21"/>
     <p:sldId id="383" r:id="rId22"/>
-    <p:sldId id="378" r:id="rId23"/>
-    <p:sldId id="366" r:id="rId24"/>
-    <p:sldId id="384" r:id="rId25"/>
+    <p:sldId id="366" r:id="rId23"/>
+    <p:sldId id="384" r:id="rId24"/>
   </p:sldIdLst>
   <p:sldSz cx="12192000" cy="6858000"/>
   <p:notesSz cx="6858000" cy="9144000"/>
@@ -226,7 +225,7 @@
           <a:p>
             <a:fld id="{56C6788E-680A-49E5-BB93-D456A9D23A29}" type="datetimeFigureOut">
               <a:rPr lang="ru-RU" smtClean="0"/>
-              <a:t>29.10.2018</a:t>
+              <a:t>04.11.2018</a:t>
             </a:fld>
             <a:endParaRPr lang="ru-RU"/>
           </a:p>
@@ -395,7 +394,7 @@
           <a:p>
             <a:fld id="{C4DF4945-C160-4CD5-B124-49B9BE14C0AB}" type="datetimeFigureOut">
               <a:rPr lang="ru-RU" smtClean="0"/>
-              <a:t>29.10.2018</a:t>
+              <a:t>04.11.2018</a:t>
             </a:fld>
             <a:endParaRPr lang="ru-RU"/>
           </a:p>
@@ -2138,7 +2137,7 @@
     </p:spTree>
     <p:extLst>
       <p:ext uri="{BB962C8B-B14F-4D97-AF65-F5344CB8AC3E}">
-        <p14:creationId xmlns:p14="http://schemas.microsoft.com/office/powerpoint/2010/main" val="1813754003"/>
+        <p14:creationId xmlns:p14="http://schemas.microsoft.com/office/powerpoint/2010/main" val="2523101175"/>
       </p:ext>
     </p:extLst>
   </p:cSld>
@@ -2214,112 +2213,6 @@
             <a:fld id="{7F33120B-582B-4354-977D-A474A534F6B9}" type="slidenum">
               <a:rPr lang="ru-RU" smtClean="0"/>
               <a:t>22</a:t>
-            </a:fld>
-            <a:endParaRPr lang="ru-RU"/>
-          </a:p>
-        </p:txBody>
-      </p:sp>
-      <p:sp>
-        <p:nvSpPr>
-          <p:cNvPr id="5" name="Header Placeholder 4"/>
-          <p:cNvSpPr>
-            <a:spLocks noGrp="1"/>
-          </p:cNvSpPr>
-          <p:nvPr>
-            <p:ph type="hdr" sz="quarter" idx="11"/>
-          </p:nvPr>
-        </p:nvSpPr>
-        <p:spPr/>
-        <p:txBody>
-          <a:bodyPr/>
-          <a:lstStyle/>
-          <a:p>
-            <a:r>
-              <a:rPr lang="ru-RU"/>
-              <a:t>Основы построения файловых систем</a:t>
-            </a:r>
-          </a:p>
-        </p:txBody>
-      </p:sp>
-    </p:spTree>
-    <p:extLst>
-      <p:ext uri="{BB962C8B-B14F-4D97-AF65-F5344CB8AC3E}">
-        <p14:creationId xmlns:p14="http://schemas.microsoft.com/office/powerpoint/2010/main" val="2523101175"/>
-      </p:ext>
-    </p:extLst>
-  </p:cSld>
-  <p:clrMapOvr>
-    <a:masterClrMapping/>
-  </p:clrMapOvr>
-</p:notes>
-</file>
-
-<file path=ppt/notesSlides/notesSlide23.xml><?xml version="1.0" encoding="utf-8"?>
-<p:notes xmlns:a="http://schemas.openxmlformats.org/drawingml/2006/main" xmlns:r="http://schemas.openxmlformats.org/officeDocument/2006/relationships" xmlns:p="http://schemas.openxmlformats.org/presentationml/2006/main">
-  <p:cSld>
-    <p:spTree>
-      <p:nvGrpSpPr>
-        <p:cNvPr id="1" name=""/>
-        <p:cNvGrpSpPr/>
-        <p:nvPr/>
-      </p:nvGrpSpPr>
-      <p:grpSpPr>
-        <a:xfrm>
-          <a:off x="0" y="0"/>
-          <a:ext cx="0" cy="0"/>
-          <a:chOff x="0" y="0"/>
-          <a:chExt cx="0" cy="0"/>
-        </a:xfrm>
-      </p:grpSpPr>
-      <p:sp>
-        <p:nvSpPr>
-          <p:cNvPr id="2" name="Slide Image Placeholder 1"/>
-          <p:cNvSpPr>
-            <a:spLocks noGrp="1" noRot="1" noChangeAspect="1"/>
-          </p:cNvSpPr>
-          <p:nvPr>
-            <p:ph type="sldImg"/>
-          </p:nvPr>
-        </p:nvSpPr>
-        <p:spPr/>
-      </p:sp>
-      <p:sp>
-        <p:nvSpPr>
-          <p:cNvPr id="3" name="Notes Placeholder 2"/>
-          <p:cNvSpPr>
-            <a:spLocks noGrp="1"/>
-          </p:cNvSpPr>
-          <p:nvPr>
-            <p:ph type="body" idx="1"/>
-          </p:nvPr>
-        </p:nvSpPr>
-        <p:spPr/>
-        <p:txBody>
-          <a:bodyPr/>
-          <a:lstStyle/>
-          <a:p>
-            <a:endParaRPr lang="ru-RU"/>
-          </a:p>
-        </p:txBody>
-      </p:sp>
-      <p:sp>
-        <p:nvSpPr>
-          <p:cNvPr id="4" name="Slide Number Placeholder 3"/>
-          <p:cNvSpPr>
-            <a:spLocks noGrp="1"/>
-          </p:cNvSpPr>
-          <p:nvPr>
-            <p:ph type="sldNum" sz="quarter" idx="10"/>
-          </p:nvPr>
-        </p:nvSpPr>
-        <p:spPr/>
-        <p:txBody>
-          <a:bodyPr/>
-          <a:lstStyle/>
-          <a:p>
-            <a:fld id="{7F33120B-582B-4354-977D-A474A534F6B9}" type="slidenum">
-              <a:rPr lang="ru-RU" smtClean="0"/>
-              <a:t>23</a:t>
             </a:fld>
             <a:endParaRPr lang="ru-RU"/>
           </a:p>
@@ -3233,7 +3126,7 @@
           <a:p>
             <a:fld id="{12C63722-5D9F-4E99-9720-9B6A0C7BB1C9}" type="datetimeFigureOut">
               <a:rPr lang="ru-RU" smtClean="0"/>
-              <a:t>29.10.2018</a:t>
+              <a:t>04.11.2018</a:t>
             </a:fld>
             <a:endParaRPr lang="ru-RU"/>
           </a:p>
@@ -3403,7 +3296,7 @@
           <a:p>
             <a:fld id="{12C63722-5D9F-4E99-9720-9B6A0C7BB1C9}" type="datetimeFigureOut">
               <a:rPr lang="ru-RU" smtClean="0"/>
-              <a:t>29.10.2018</a:t>
+              <a:t>04.11.2018</a:t>
             </a:fld>
             <a:endParaRPr lang="ru-RU"/>
           </a:p>
@@ -3583,7 +3476,7 @@
           <a:p>
             <a:fld id="{12C63722-5D9F-4E99-9720-9B6A0C7BB1C9}" type="datetimeFigureOut">
               <a:rPr lang="ru-RU" smtClean="0"/>
-              <a:t>29.10.2018</a:t>
+              <a:t>04.11.2018</a:t>
             </a:fld>
             <a:endParaRPr lang="ru-RU"/>
           </a:p>
@@ -3775,7 +3668,7 @@
           <a:p>
             <a:fld id="{8C218C88-2408-4CFC-B25C-07450930B282}" type="datetimeFigureOut">
               <a:rPr lang="ru-RU" smtClean="0"/>
-              <a:t>29.10.2018</a:t>
+              <a:t>04.11.2018</a:t>
             </a:fld>
             <a:endParaRPr lang="ru-RU"/>
           </a:p>
@@ -3945,7 +3838,7 @@
           <a:p>
             <a:fld id="{8C218C88-2408-4CFC-B25C-07450930B282}" type="datetimeFigureOut">
               <a:rPr lang="ru-RU" smtClean="0"/>
-              <a:t>29.10.2018</a:t>
+              <a:t>04.11.2018</a:t>
             </a:fld>
             <a:endParaRPr lang="ru-RU"/>
           </a:p>
@@ -4191,7 +4084,7 @@
           <a:p>
             <a:fld id="{8C218C88-2408-4CFC-B25C-07450930B282}" type="datetimeFigureOut">
               <a:rPr lang="ru-RU" smtClean="0"/>
-              <a:t>29.10.2018</a:t>
+              <a:t>04.11.2018</a:t>
             </a:fld>
             <a:endParaRPr lang="ru-RU"/>
           </a:p>
@@ -4423,7 +4316,7 @@
           <a:p>
             <a:fld id="{8C218C88-2408-4CFC-B25C-07450930B282}" type="datetimeFigureOut">
               <a:rPr lang="ru-RU" smtClean="0"/>
-              <a:t>29.10.2018</a:t>
+              <a:t>04.11.2018</a:t>
             </a:fld>
             <a:endParaRPr lang="ru-RU"/>
           </a:p>
@@ -4790,7 +4683,7 @@
           <a:p>
             <a:fld id="{8C218C88-2408-4CFC-B25C-07450930B282}" type="datetimeFigureOut">
               <a:rPr lang="ru-RU" smtClean="0"/>
-              <a:t>29.10.2018</a:t>
+              <a:t>04.11.2018</a:t>
             </a:fld>
             <a:endParaRPr lang="ru-RU"/>
           </a:p>
@@ -4908,7 +4801,7 @@
           <a:p>
             <a:fld id="{8C218C88-2408-4CFC-B25C-07450930B282}" type="datetimeFigureOut">
               <a:rPr lang="ru-RU" smtClean="0"/>
-              <a:t>29.10.2018</a:t>
+              <a:t>04.11.2018</a:t>
             </a:fld>
             <a:endParaRPr lang="ru-RU"/>
           </a:p>
@@ -5003,7 +4896,7 @@
           <a:p>
             <a:fld id="{8C218C88-2408-4CFC-B25C-07450930B282}" type="datetimeFigureOut">
               <a:rPr lang="ru-RU" smtClean="0"/>
-              <a:t>29.10.2018</a:t>
+              <a:t>04.11.2018</a:t>
             </a:fld>
             <a:endParaRPr lang="ru-RU"/>
           </a:p>
@@ -5280,7 +5173,7 @@
           <a:p>
             <a:fld id="{8C218C88-2408-4CFC-B25C-07450930B282}" type="datetimeFigureOut">
               <a:rPr lang="ru-RU" smtClean="0"/>
-              <a:t>29.10.2018</a:t>
+              <a:t>04.11.2018</a:t>
             </a:fld>
             <a:endParaRPr lang="ru-RU"/>
           </a:p>
@@ -5450,7 +5343,7 @@
           <a:p>
             <a:fld id="{12C63722-5D9F-4E99-9720-9B6A0C7BB1C9}" type="datetimeFigureOut">
               <a:rPr lang="ru-RU" smtClean="0"/>
-              <a:t>29.10.2018</a:t>
+              <a:t>04.11.2018</a:t>
             </a:fld>
             <a:endParaRPr lang="ru-RU"/>
           </a:p>
@@ -5703,7 +5596,7 @@
           <a:p>
             <a:fld id="{8C218C88-2408-4CFC-B25C-07450930B282}" type="datetimeFigureOut">
               <a:rPr lang="ru-RU" smtClean="0"/>
-              <a:t>29.10.2018</a:t>
+              <a:t>04.11.2018</a:t>
             </a:fld>
             <a:endParaRPr lang="ru-RU"/>
           </a:p>
@@ -5873,7 +5766,7 @@
           <a:p>
             <a:fld id="{8C218C88-2408-4CFC-B25C-07450930B282}" type="datetimeFigureOut">
               <a:rPr lang="ru-RU" smtClean="0"/>
-              <a:t>29.10.2018</a:t>
+              <a:t>04.11.2018</a:t>
             </a:fld>
             <a:endParaRPr lang="ru-RU"/>
           </a:p>
@@ -6053,7 +5946,7 @@
           <a:p>
             <a:fld id="{8C218C88-2408-4CFC-B25C-07450930B282}" type="datetimeFigureOut">
               <a:rPr lang="ru-RU" smtClean="0"/>
-              <a:t>29.10.2018</a:t>
+              <a:t>04.11.2018</a:t>
             </a:fld>
             <a:endParaRPr lang="ru-RU"/>
           </a:p>
@@ -6299,7 +6192,7 @@
           <a:p>
             <a:fld id="{12C63722-5D9F-4E99-9720-9B6A0C7BB1C9}" type="datetimeFigureOut">
               <a:rPr lang="ru-RU" smtClean="0"/>
-              <a:t>29.10.2018</a:t>
+              <a:t>04.11.2018</a:t>
             </a:fld>
             <a:endParaRPr lang="ru-RU"/>
           </a:p>
@@ -6539,7 +6432,7 @@
           <a:p>
             <a:fld id="{12C63722-5D9F-4E99-9720-9B6A0C7BB1C9}" type="datetimeFigureOut">
               <a:rPr lang="ru-RU" smtClean="0"/>
-              <a:t>29.10.2018</a:t>
+              <a:t>04.11.2018</a:t>
             </a:fld>
             <a:endParaRPr lang="ru-RU"/>
           </a:p>
@@ -6906,7 +6799,7 @@
           <a:p>
             <a:fld id="{12C63722-5D9F-4E99-9720-9B6A0C7BB1C9}" type="datetimeFigureOut">
               <a:rPr lang="ru-RU" smtClean="0"/>
-              <a:t>29.10.2018</a:t>
+              <a:t>04.11.2018</a:t>
             </a:fld>
             <a:endParaRPr lang="ru-RU"/>
           </a:p>
@@ -7024,7 +6917,7 @@
           <a:p>
             <a:fld id="{12C63722-5D9F-4E99-9720-9B6A0C7BB1C9}" type="datetimeFigureOut">
               <a:rPr lang="ru-RU" smtClean="0"/>
-              <a:t>29.10.2018</a:t>
+              <a:t>04.11.2018</a:t>
             </a:fld>
             <a:endParaRPr lang="ru-RU"/>
           </a:p>
@@ -7119,7 +7012,7 @@
           <a:p>
             <a:fld id="{12C63722-5D9F-4E99-9720-9B6A0C7BB1C9}" type="datetimeFigureOut">
               <a:rPr lang="ru-RU" smtClean="0"/>
-              <a:t>29.10.2018</a:t>
+              <a:t>04.11.2018</a:t>
             </a:fld>
             <a:endParaRPr lang="ru-RU"/>
           </a:p>
@@ -7396,7 +7289,7 @@
           <a:p>
             <a:fld id="{12C63722-5D9F-4E99-9720-9B6A0C7BB1C9}" type="datetimeFigureOut">
               <a:rPr lang="ru-RU" smtClean="0"/>
-              <a:t>29.10.2018</a:t>
+              <a:t>04.11.2018</a:t>
             </a:fld>
             <a:endParaRPr lang="ru-RU"/>
           </a:p>
@@ -7649,7 +7542,7 @@
           <a:p>
             <a:fld id="{12C63722-5D9F-4E99-9720-9B6A0C7BB1C9}" type="datetimeFigureOut">
               <a:rPr lang="ru-RU" smtClean="0"/>
-              <a:t>29.10.2018</a:t>
+              <a:t>04.11.2018</a:t>
             </a:fld>
             <a:endParaRPr lang="ru-RU"/>
           </a:p>
@@ -7862,7 +7755,7 @@
           <a:p>
             <a:fld id="{12C63722-5D9F-4E99-9720-9B6A0C7BB1C9}" type="datetimeFigureOut">
               <a:rPr lang="ru-RU" smtClean="0"/>
-              <a:t>29.10.2018</a:t>
+              <a:t>04.11.2018</a:t>
             </a:fld>
             <a:endParaRPr lang="ru-RU"/>
           </a:p>
@@ -8402,7 +8295,7 @@
           <a:p>
             <a:fld id="{8C218C88-2408-4CFC-B25C-07450930B282}" type="datetimeFigureOut">
               <a:rPr lang="ru-RU" smtClean="0"/>
-              <a:t>29.10.2018</a:t>
+              <a:t>04.11.2018</a:t>
             </a:fld>
             <a:endParaRPr lang="ru-RU"/>
           </a:p>
@@ -22942,727 +22835,6 @@
           </a:graphicData>
         </a:graphic>
       </p:graphicFrame>
-      <mc:AlternateContent xmlns:mc="http://schemas.openxmlformats.org/markup-compatibility/2006" xmlns:a14="http://schemas.microsoft.com/office/drawing/2010/main">
-        <mc:Choice Requires="a14">
-          <p:graphicFrame>
-            <p:nvGraphicFramePr>
-              <p:cNvPr id="2" name="Table 1"/>
-              <p:cNvGraphicFramePr>
-                <a:graphicFrameLocks noGrp="1"/>
-              </p:cNvGraphicFramePr>
-              <p:nvPr>
-                <p:extLst>
-                  <p:ext uri="{D42A27DB-BD31-4B8C-83A1-F6EECF244321}">
-                    <p14:modId xmlns:p14="http://schemas.microsoft.com/office/powerpoint/2010/main" val="700506552"/>
-                  </p:ext>
-                </p:extLst>
-              </p:nvPr>
-            </p:nvGraphicFramePr>
-            <p:xfrm>
-              <a:off x="0" y="365761"/>
-              <a:ext cx="12192000" cy="5486400"/>
-            </p:xfrm>
-            <a:graphic>
-              <a:graphicData uri="http://schemas.openxmlformats.org/drawingml/2006/table">
-                <a:tbl>
-                  <a:tblPr firstRow="1" bandRow="1">
-                    <a:tableStyleId>{3B4B98B0-60AC-42C2-AFA5-B58CD77FA1E5}</a:tableStyleId>
-                  </a:tblPr>
-                  <a:tblGrid>
-                    <a:gridCol w="12192000">
-                      <a:extLst>
-                        <a:ext uri="{9D8B030D-6E8A-4147-A177-3AD203B41FA5}">
-                          <a16:colId xmlns:a16="http://schemas.microsoft.com/office/drawing/2014/main" val="20000"/>
-                        </a:ext>
-                      </a:extLst>
-                    </a:gridCol>
-                  </a:tblGrid>
-                  <a:tr h="370840">
-                    <a:tc>
-                      <a:txBody>
-                        <a:bodyPr/>
-                        <a:lstStyle/>
-                        <a:p>
-                          <a14:m>
-                            <m:oMath xmlns:m="http://schemas.openxmlformats.org/officeDocument/2006/math">
-                              <m:sSup>
-                                <m:sSupPr>
-                                  <m:ctrlPr>
-                                    <a:rPr lang="en-US" sz="2400" b="1" i="1" smtClean="0">
-                                      <a:latin typeface="Cambria Math" panose="02040503050406030204" pitchFamily="18" charset="0"/>
-                                    </a:rPr>
-                                  </m:ctrlPr>
-                                </m:sSupPr>
-                                <m:e>
-                                  <m:r>
-                                    <a:rPr lang="en-US" sz="2400" b="1" i="1" smtClean="0">
-                                      <a:latin typeface="Cambria Math" charset="0"/>
-                                    </a:rPr>
-                                    <m:t>𝑩</m:t>
-                                  </m:r>
-                                </m:e>
-                                <m:sup>
-                                  <m:r>
-                                    <a:rPr lang="en-US" sz="2400" b="1" i="1" smtClean="0">
-                                      <a:latin typeface="Cambria Math" charset="0"/>
-                                    </a:rPr>
-                                    <m:t>𝝐</m:t>
-                                  </m:r>
-                                </m:sup>
-                              </m:sSup>
-                            </m:oMath>
-                          </a14:m>
-                          <a:r>
-                            <a:rPr lang="en-US" sz="2400" dirty="0"/>
-                            <a:t>-</a:t>
-                          </a:r>
-                          <a:r>
-                            <a:rPr lang="ru-RU" sz="2400" dirty="0"/>
-                            <a:t>деревья</a:t>
-                          </a:r>
-                          <a:endParaRPr lang="en-US" sz="2400" dirty="0"/>
-                        </a:p>
-                      </a:txBody>
-                      <a:tcPr/>
-                    </a:tc>
-                    <a:extLst>
-                      <a:ext uri="{0D108BD9-81ED-4DB2-BD59-A6C34878D82A}">
-                        <a16:rowId xmlns:a16="http://schemas.microsoft.com/office/drawing/2014/main" val="10000"/>
-                      </a:ext>
-                    </a:extLst>
-                  </a:tr>
-                  <a:tr h="370840">
-                    <a:tc>
-                      <a:txBody>
-                        <a:bodyPr/>
-                        <a:lstStyle/>
-                        <a:p>
-                          <a:pPr marL="0" indent="0">
-                            <a:buFont typeface="Arial" charset="0"/>
-                            <a:buNone/>
-                          </a:pPr>
-                          <a:r>
-                            <a:rPr lang="ru-RU" dirty="0"/>
-                            <a:t>Как</a:t>
-                          </a:r>
-                          <a:r>
-                            <a:rPr lang="ru-RU" baseline="0" dirty="0"/>
-                            <a:t> и в </a:t>
-                          </a:r>
-                          <a:r>
-                            <a:rPr lang="en-US" baseline="0" dirty="0"/>
-                            <a:t>B-</a:t>
-                          </a:r>
-                          <a:r>
-                            <a:rPr lang="ru-RU" baseline="0" dirty="0"/>
-                            <a:t>деревьях, узлы являются достаточно длинными блоками, но теперь они разделяются на две части:</a:t>
-                          </a:r>
-                        </a:p>
-                        <a:p>
-                          <a:pPr marL="285750" indent="-285750">
-                            <a:buFont typeface="Arial" charset="0"/>
-                            <a:buChar char="•"/>
-                          </a:pPr>
-                          <a:r>
-                            <a:rPr lang="en-US" baseline="0" dirty="0"/>
-                            <a:t>pivots (</a:t>
-                          </a:r>
-                          <a:r>
-                            <a:rPr lang="ru-RU" baseline="0" dirty="0"/>
-                            <a:t>пары ключ-значение с указателями на пользовательские данные или на другие узлы дерева),</a:t>
-                          </a:r>
-                        </a:p>
-                        <a:p>
-                          <a:pPr marL="285750" indent="-285750">
-                            <a:buFont typeface="Arial" charset="0"/>
-                            <a:buChar char="•"/>
-                          </a:pPr>
-                          <a:r>
-                            <a:rPr lang="en-US" baseline="0" dirty="0"/>
-                            <a:t>commands (</a:t>
-                          </a:r>
-                          <a:r>
-                            <a:rPr lang="ru-RU" baseline="0" dirty="0"/>
-                            <a:t>журнал вставок и удалений).</a:t>
-                          </a:r>
-                        </a:p>
-                        <a:p>
-                          <a:pPr marL="0" indent="0">
-                            <a:buFont typeface="Arial" charset="0"/>
-                            <a:buNone/>
-                          </a:pPr>
-                          <a:r>
-                            <a:rPr lang="ru-RU" baseline="0" dirty="0"/>
-                            <a:t>Узлы длиной </a:t>
-                          </a:r>
-                          <a:r>
-                            <a:rPr lang="en-US" baseline="0" dirty="0"/>
-                            <a:t>B </a:t>
-                          </a:r>
-                          <a:r>
-                            <a:rPr lang="ru-RU" baseline="0" dirty="0"/>
-                            <a:t>байт делятся в пропорции </a:t>
-                          </a:r>
-                          <a14:m>
-                            <m:oMath xmlns:m="http://schemas.openxmlformats.org/officeDocument/2006/math">
-                              <m:sSup>
-                                <m:sSupPr>
-                                  <m:ctrlPr>
-                                    <a:rPr lang="en-US" b="0" i="1" baseline="0" smtClean="0">
-                                      <a:latin typeface="Cambria Math" panose="02040503050406030204" pitchFamily="18" charset="0"/>
-                                    </a:rPr>
-                                  </m:ctrlPr>
-                                </m:sSupPr>
-                                <m:e>
-                                  <m:r>
-                                    <a:rPr lang="en-US" b="0" i="1" baseline="0" smtClean="0">
-                                      <a:latin typeface="Cambria Math" charset="0"/>
-                                    </a:rPr>
-                                    <m:t>𝐵</m:t>
-                                  </m:r>
-                                </m:e>
-                                <m:sup>
-                                  <m:r>
-                                    <a:rPr lang="en-US" b="0" i="1" baseline="0" smtClean="0">
-                                      <a:latin typeface="Cambria Math" charset="0"/>
-                                    </a:rPr>
-                                    <m:t>𝜖</m:t>
-                                  </m:r>
-                                </m:sup>
-                              </m:sSup>
-                            </m:oMath>
-                          </a14:m>
-                          <a:r>
-                            <a:rPr lang="en-US" dirty="0"/>
-                            <a:t> </a:t>
-                          </a:r>
-                          <a:r>
-                            <a:rPr lang="ru-RU" dirty="0"/>
-                            <a:t>байт на </a:t>
-                          </a:r>
-                          <a:r>
-                            <a:rPr lang="en-US" dirty="0"/>
-                            <a:t>pivots</a:t>
-                          </a:r>
-                          <a:r>
-                            <a:rPr lang="en-US" baseline="0" dirty="0"/>
-                            <a:t> </a:t>
-                          </a:r>
-                          <a:r>
-                            <a:rPr lang="ru-RU" baseline="0" dirty="0"/>
-                            <a:t>и </a:t>
-                          </a:r>
-                          <a14:m>
-                            <m:oMath xmlns:m="http://schemas.openxmlformats.org/officeDocument/2006/math">
-                              <m:r>
-                                <a:rPr lang="en-US" b="0" i="1" baseline="0" smtClean="0">
-                                  <a:latin typeface="Cambria Math" charset="0"/>
-                                </a:rPr>
-                                <m:t>𝐵</m:t>
-                              </m:r>
-                              <m:r>
-                                <a:rPr lang="en-US" b="0" i="1" baseline="0" smtClean="0">
-                                  <a:latin typeface="Cambria Math" charset="0"/>
-                                </a:rPr>
-                                <m:t> −</m:t>
-                              </m:r>
-                              <m:sSup>
-                                <m:sSupPr>
-                                  <m:ctrlPr>
-                                    <a:rPr lang="en-US" b="0" i="1" baseline="0" smtClean="0">
-                                      <a:latin typeface="Cambria Math" panose="02040503050406030204" pitchFamily="18" charset="0"/>
-                                    </a:rPr>
-                                  </m:ctrlPr>
-                                </m:sSupPr>
-                                <m:e>
-                                  <m:r>
-                                    <a:rPr lang="en-US" b="0" i="1" baseline="0" smtClean="0">
-                                      <a:latin typeface="Cambria Math" charset="0"/>
-                                    </a:rPr>
-                                    <m:t>𝐵</m:t>
-                                  </m:r>
-                                </m:e>
-                                <m:sup>
-                                  <m:r>
-                                    <a:rPr lang="en-US" b="0" i="1" baseline="0" smtClean="0">
-                                      <a:latin typeface="Cambria Math" charset="0"/>
-                                    </a:rPr>
-                                    <m:t>𝜖</m:t>
-                                  </m:r>
-                                </m:sup>
-                              </m:sSup>
-                            </m:oMath>
-                          </a14:m>
-                          <a:r>
-                            <a:rPr lang="en-US" dirty="0"/>
-                            <a:t> </a:t>
-                          </a:r>
-                          <a:r>
-                            <a:rPr lang="ru-RU" dirty="0"/>
-                            <a:t>байт на </a:t>
-                          </a:r>
-                          <a:r>
-                            <a:rPr lang="en-US" dirty="0"/>
-                            <a:t>commands.</a:t>
-                          </a:r>
-                        </a:p>
-                        <a:p>
-                          <a:pPr marL="0" indent="0">
-                            <a:buFont typeface="Arial" charset="0"/>
-                            <a:buNone/>
-                          </a:pPr>
-                          <a:endParaRPr lang="en-US" dirty="0"/>
-                        </a:p>
-                        <a:p>
-                          <a:pPr marL="285750" indent="-285750">
-                            <a:buFont typeface="Arial" charset="0"/>
-                            <a:buChar char="•"/>
-                          </a:pPr>
-                          <a:r>
-                            <a:rPr lang="ru-RU" dirty="0"/>
-                            <a:t>Вставки</a:t>
-                          </a:r>
-                          <a:r>
-                            <a:rPr lang="ru-RU" baseline="0" dirty="0"/>
-                            <a:t> и удаления добавляются только в журнал корневого узла,</a:t>
-                          </a:r>
-                        </a:p>
-                        <a:p>
-                          <a:pPr marL="285750" indent="-285750">
-                            <a:buFont typeface="Arial" charset="0"/>
-                            <a:buChar char="•"/>
-                          </a:pPr>
-                          <a:r>
-                            <a:rPr lang="ru-RU" baseline="0" dirty="0"/>
-                            <a:t>При переполнении журнала в корне он выталкивается в журналы дочерних узлов, причём выталкиваются только модификации наиболее изменённых поддеревьев.</a:t>
-                          </a:r>
-                        </a:p>
-                        <a:p>
-                          <a:pPr marL="0" indent="0">
-                            <a:buFont typeface="Arial" charset="0"/>
-                            <a:buNone/>
-                          </a:pPr>
-                          <a:endParaRPr lang="ru-RU" baseline="0" dirty="0"/>
-                        </a:p>
-                        <a:p>
-                          <a:pPr marL="0" indent="0">
-                            <a:buFont typeface="Arial" charset="0"/>
-                            <a:buNone/>
-                          </a:pPr>
-                          <a:r>
-                            <a:rPr lang="ru-RU" dirty="0"/>
-                            <a:t>Преимущества такой реализации:</a:t>
-                          </a:r>
-                        </a:p>
-                        <a:p>
-                          <a:pPr marL="285750" indent="-285750">
-                            <a:buFont typeface="Arial" charset="0"/>
-                            <a:buChar char="•"/>
-                          </a:pPr>
-                          <a:r>
-                            <a:rPr lang="ru-RU" dirty="0"/>
-                            <a:t>Нет</a:t>
-                          </a:r>
-                          <a:r>
-                            <a:rPr lang="ru-RU" baseline="0" dirty="0"/>
-                            <a:t> необходимости поиска во многих деревьях или построения фильтров </a:t>
-                          </a:r>
-                          <a:r>
-                            <a:rPr lang="ru-RU" baseline="0" dirty="0" err="1"/>
-                            <a:t>Блума</a:t>
-                          </a:r>
-                          <a:r>
-                            <a:rPr lang="ru-RU" baseline="0" dirty="0"/>
-                            <a:t>,</a:t>
-                          </a:r>
-                        </a:p>
-                        <a:p>
-                          <a:pPr marL="285750" indent="-285750">
-                            <a:buFont typeface="Arial" charset="0"/>
-                            <a:buChar char="•"/>
-                          </a:pPr>
-                          <a:r>
-                            <a:rPr lang="ru-RU" baseline="0" dirty="0"/>
-                            <a:t>Журнал изменений расположен в корневом узле, который всегда в </a:t>
-                          </a:r>
-                          <a:r>
-                            <a:rPr lang="ru-RU" baseline="0" dirty="0" err="1"/>
-                            <a:t>кеше</a:t>
-                          </a:r>
-                          <a:r>
-                            <a:rPr lang="ru-RU" baseline="0" dirty="0"/>
-                            <a:t>,</a:t>
-                          </a:r>
-                        </a:p>
-                        <a:p>
-                          <a:pPr marL="285750" indent="-285750">
-                            <a:buFont typeface="Arial" charset="0"/>
-                            <a:buChar char="•"/>
-                          </a:pPr>
-                          <a:r>
-                            <a:rPr lang="ru-RU" baseline="0" dirty="0"/>
-                            <a:t>При расщеплении журнала изменений генерируется меньше </a:t>
-                          </a:r>
-                          <a:r>
-                            <a:rPr lang="en-US" baseline="0" dirty="0"/>
-                            <a:t>IO, </a:t>
-                          </a:r>
-                          <a:r>
-                            <a:rPr lang="ru-RU" baseline="0" dirty="0"/>
-                            <a:t>чем при слиянии компонент </a:t>
-                          </a:r>
-                          <a:r>
-                            <a:rPr lang="en-US" baseline="0" dirty="0"/>
-                            <a:t>LSM-</a:t>
-                          </a:r>
-                          <a:r>
-                            <a:rPr lang="ru-RU" baseline="0" dirty="0"/>
-                            <a:t>дерева,</a:t>
-                          </a:r>
-                        </a:p>
-                        <a:p>
-                          <a:pPr marL="285750" indent="-285750">
-                            <a:buFont typeface="Arial" charset="0"/>
-                            <a:buChar char="•"/>
-                          </a:pPr>
-                          <a:r>
-                            <a:rPr lang="ru-RU" baseline="0" dirty="0"/>
-                            <a:t>Если записи журнала поддерживать упорядоченными, то можно реализовать </a:t>
-                          </a:r>
-                          <a:r>
-                            <a:rPr lang="en-US" baseline="0" dirty="0"/>
-                            <a:t>range queries, -- </a:t>
-                          </a:r>
-                          <a:r>
-                            <a:rPr lang="ru-RU" baseline="0" dirty="0"/>
-                            <a:t>запросы диапазонов ключей</a:t>
-                          </a:r>
-                        </a:p>
-                        <a:p>
-                          <a:pPr marL="285750" indent="-285750">
-                            <a:buFont typeface="Arial" charset="0"/>
-                            <a:buChar char="•"/>
-                          </a:pPr>
-                          <a:r>
-                            <a:rPr lang="ru-RU" baseline="0" dirty="0"/>
-                            <a:t>Размер узлов </a:t>
-                          </a:r>
-                          <a14:m>
-                            <m:oMath xmlns:m="http://schemas.openxmlformats.org/officeDocument/2006/math">
-                              <m:sSup>
-                                <m:sSupPr>
-                                  <m:ctrlPr>
-                                    <a:rPr lang="en-US" b="0" i="1" baseline="0" smtClean="0">
-                                      <a:latin typeface="Cambria Math" panose="02040503050406030204" pitchFamily="18" charset="0"/>
-                                    </a:rPr>
-                                  </m:ctrlPr>
-                                </m:sSupPr>
-                                <m:e>
-                                  <m:r>
-                                    <a:rPr lang="en-US" b="0" i="1" baseline="0" smtClean="0">
-                                      <a:latin typeface="Cambria Math" charset="0"/>
-                                    </a:rPr>
-                                    <m:t>𝐵</m:t>
-                                  </m:r>
-                                </m:e>
-                                <m:sup>
-                                  <m:r>
-                                    <a:rPr lang="en-US" b="0" i="1" baseline="0" smtClean="0">
-                                      <a:latin typeface="Cambria Math" charset="0"/>
-                                    </a:rPr>
-                                    <m:t>𝜖</m:t>
-                                  </m:r>
-                                </m:sup>
-                              </m:sSup>
-                            </m:oMath>
-                          </a14:m>
-                          <a:r>
-                            <a:rPr lang="en-US" dirty="0"/>
-                            <a:t>-</a:t>
-                          </a:r>
-                          <a:r>
-                            <a:rPr lang="ru-RU" dirty="0"/>
-                            <a:t>деревьев можно делать много</a:t>
-                          </a:r>
-                          <a:r>
-                            <a:rPr lang="ru-RU" baseline="0" dirty="0"/>
-                            <a:t> больше, чем у </a:t>
-                          </a:r>
-                          <a:r>
-                            <a:rPr lang="en-US" baseline="0" dirty="0"/>
-                            <a:t>B-</a:t>
-                          </a:r>
-                          <a:r>
-                            <a:rPr lang="ru-RU" baseline="0" dirty="0"/>
-                            <a:t>деревьев, что уменьшает их глубину.</a:t>
-                          </a:r>
-                          <a:endParaRPr lang="en-US" baseline="0" dirty="0"/>
-                        </a:p>
-                        <a:p>
-                          <a:pPr marL="285750" indent="-285750">
-                            <a:buFont typeface="Arial" charset="0"/>
-                            <a:buChar char="•"/>
-                          </a:pPr>
-                          <a:endParaRPr lang="en-US" baseline="0" dirty="0"/>
-                        </a:p>
-                        <a:p>
-                          <a:pPr marL="0" indent="0">
-                            <a:buFont typeface="Arial" charset="0"/>
-                            <a:buNone/>
-                          </a:pPr>
-                          <a:r>
-                            <a:rPr lang="en-US" dirty="0">
-                              <a:hlinkClick r:id="rId3"/>
-                            </a:rPr>
-                            <a:t>https://www.usenix.org</a:t>
-                          </a:r>
-                          <a:r>
-                            <a:rPr lang="en-US">
-                              <a:hlinkClick r:id="rId3"/>
-                            </a:rPr>
-                            <a:t>/system/files/login/articles/login_oct15_05_bender.pdf</a:t>
-                          </a:r>
-                          <a:endParaRPr lang="en-US" dirty="0"/>
-                        </a:p>
-                      </a:txBody>
-                      <a:tcPr/>
-                    </a:tc>
-                    <a:extLst>
-                      <a:ext uri="{0D108BD9-81ED-4DB2-BD59-A6C34878D82A}">
-                        <a16:rowId xmlns:a16="http://schemas.microsoft.com/office/drawing/2014/main" val="10001"/>
-                      </a:ext>
-                    </a:extLst>
-                  </a:tr>
-                </a:tbl>
-              </a:graphicData>
-            </a:graphic>
-          </p:graphicFrame>
-        </mc:Choice>
-        <mc:Fallback xmlns="">
-          <p:graphicFrame>
-            <p:nvGraphicFramePr>
-              <p:cNvPr id="2" name="Table 1"/>
-              <p:cNvGraphicFramePr>
-                <a:graphicFrameLocks noGrp="1"/>
-              </p:cNvGraphicFramePr>
-              <p:nvPr>
-                <p:extLst>
-                  <p:ext uri="{D42A27DB-BD31-4B8C-83A1-F6EECF244321}">
-                    <p14:modId xmlns:p14="http://schemas.microsoft.com/office/powerpoint/2010/main" val="700506552"/>
-                  </p:ext>
-                </p:extLst>
-              </p:nvPr>
-            </p:nvGraphicFramePr>
-            <p:xfrm>
-              <a:off x="0" y="365761"/>
-              <a:ext cx="12192000" cy="5486400"/>
-            </p:xfrm>
-            <a:graphic>
-              <a:graphicData uri="http://schemas.openxmlformats.org/drawingml/2006/table">
-                <a:tbl>
-                  <a:tblPr firstRow="1" bandRow="1">
-                    <a:tableStyleId>{3B4B98B0-60AC-42C2-AFA5-B58CD77FA1E5}</a:tableStyleId>
-                  </a:tblPr>
-                  <a:tblGrid>
-                    <a:gridCol w="12192000"/>
-                  </a:tblGrid>
-                  <a:tr h="457200">
-                    <a:tc>
-                      <a:txBody>
-                        <a:bodyPr/>
-                        <a:lstStyle/>
-                        <a:p>
-                          <a:endParaRPr lang="en-US"/>
-                        </a:p>
-                      </a:txBody>
-                      <a:tcPr>
-                        <a:blipFill rotWithShape="0">
-                          <a:blip r:embed="rId4"/>
-                          <a:stretch>
-                            <a:fillRect t="-10667" r="-100" b="-1121333"/>
-                          </a:stretch>
-                        </a:blipFill>
-                      </a:tcPr>
-                    </a:tc>
-                  </a:tr>
-                  <a:tr h="5029200">
-                    <a:tc>
-                      <a:txBody>
-                        <a:bodyPr/>
-                        <a:lstStyle/>
-                        <a:p>
-                          <a:endParaRPr lang="en-US"/>
-                        </a:p>
-                      </a:txBody>
-                      <a:tcPr>
-                        <a:blipFill rotWithShape="0">
-                          <a:blip r:embed="rId4"/>
-                          <a:stretch>
-                            <a:fillRect t="-10048" r="-100" b="-1816"/>
-                          </a:stretch>
-                        </a:blipFill>
-                      </a:tcPr>
-                    </a:tc>
-                  </a:tr>
-                </a:tbl>
-              </a:graphicData>
-            </a:graphic>
-          </p:graphicFrame>
-        </mc:Fallback>
-      </mc:AlternateContent>
-    </p:spTree>
-    <p:extLst>
-      <p:ext uri="{BB962C8B-B14F-4D97-AF65-F5344CB8AC3E}">
-        <p14:creationId xmlns:p14="http://schemas.microsoft.com/office/powerpoint/2010/main" val="15568470"/>
-      </p:ext>
-    </p:extLst>
-  </p:cSld>
-  <p:clrMapOvr>
-    <a:masterClrMapping/>
-  </p:clrMapOvr>
-</p:sld>
-</file>
-
-<file path=ppt/slides/slide22.xml><?xml version="1.0" encoding="utf-8"?>
-<p:sld xmlns:a="http://schemas.openxmlformats.org/drawingml/2006/main" xmlns:r="http://schemas.openxmlformats.org/officeDocument/2006/relationships" xmlns:p="http://schemas.openxmlformats.org/presentationml/2006/main">
-  <p:cSld>
-    <p:spTree>
-      <p:nvGrpSpPr>
-        <p:cNvPr id="1" name=""/>
-        <p:cNvGrpSpPr/>
-        <p:nvPr/>
-      </p:nvGrpSpPr>
-      <p:grpSpPr>
-        <a:xfrm>
-          <a:off x="0" y="0"/>
-          <a:ext cx="0" cy="0"/>
-          <a:chOff x="0" y="0"/>
-          <a:chExt cx="0" cy="0"/>
-        </a:xfrm>
-      </p:grpSpPr>
-      <p:graphicFrame>
-        <p:nvGraphicFramePr>
-          <p:cNvPr id="5" name="Table 4"/>
-          <p:cNvGraphicFramePr>
-            <a:graphicFrameLocks noGrp="1"/>
-          </p:cNvGraphicFramePr>
-          <p:nvPr>
-            <p:extLst>
-              <p:ext uri="{D42A27DB-BD31-4B8C-83A1-F6EECF244321}">
-                <p14:modId xmlns:p14="http://schemas.microsoft.com/office/powerpoint/2010/main" val="2281224332"/>
-              </p:ext>
-            </p:extLst>
-          </p:nvPr>
-        </p:nvGraphicFramePr>
-        <p:xfrm>
-          <a:off x="0" y="1"/>
-          <a:ext cx="12192000" cy="365760"/>
-        </p:xfrm>
-        <a:graphic>
-          <a:graphicData uri="http://schemas.openxmlformats.org/drawingml/2006/table">
-            <a:tbl>
-              <a:tblPr firstRow="1" bandRow="1">
-                <a:tableStyleId>{5C22544A-7EE6-4342-B048-85BDC9FD1C3A}</a:tableStyleId>
-              </a:tblPr>
-              <a:tblGrid>
-                <a:gridCol w="12192000">
-                  <a:extLst>
-                    <a:ext uri="{9D8B030D-6E8A-4147-A177-3AD203B41FA5}">
-                      <a16:colId xmlns:a16="http://schemas.microsoft.com/office/drawing/2014/main" val="20000"/>
-                    </a:ext>
-                  </a:extLst>
-                </a:gridCol>
-              </a:tblGrid>
-              <a:tr h="321276">
-                <a:tc>
-                  <a:txBody>
-                    <a:bodyPr/>
-                    <a:lstStyle/>
-                    <a:p>
-                      <a:r>
-                        <a:rPr lang="ru-RU" dirty="0"/>
-                        <a:t>Основы</a:t>
-                      </a:r>
-                      <a:r>
-                        <a:rPr lang="ru-RU" baseline="0" dirty="0"/>
-                        <a:t> построения файловых систем</a:t>
-                      </a:r>
-                      <a:endParaRPr lang="ru-RU" dirty="0"/>
-                    </a:p>
-                  </a:txBody>
-                  <a:tcPr/>
-                </a:tc>
-                <a:extLst>
-                  <a:ext uri="{0D108BD9-81ED-4DB2-BD59-A6C34878D82A}">
-                    <a16:rowId xmlns:a16="http://schemas.microsoft.com/office/drawing/2014/main" val="10000"/>
-                  </a:ext>
-                </a:extLst>
-              </a:tr>
-            </a:tbl>
-          </a:graphicData>
-        </a:graphic>
-      </p:graphicFrame>
-      <p:graphicFrame>
-        <p:nvGraphicFramePr>
-          <p:cNvPr id="6" name="Table 5"/>
-          <p:cNvGraphicFramePr>
-            <a:graphicFrameLocks noGrp="1"/>
-          </p:cNvGraphicFramePr>
-          <p:nvPr>
-            <p:extLst>
-              <p:ext uri="{D42A27DB-BD31-4B8C-83A1-F6EECF244321}">
-                <p14:modId xmlns:p14="http://schemas.microsoft.com/office/powerpoint/2010/main" val="4164474727"/>
-              </p:ext>
-            </p:extLst>
-          </p:nvPr>
-        </p:nvGraphicFramePr>
-        <p:xfrm>
-          <a:off x="0" y="6532604"/>
-          <a:ext cx="12192000" cy="365760"/>
-        </p:xfrm>
-        <a:graphic>
-          <a:graphicData uri="http://schemas.openxmlformats.org/drawingml/2006/table">
-            <a:tbl>
-              <a:tblPr firstRow="1" bandRow="1">
-                <a:tableStyleId>{5C22544A-7EE6-4342-B048-85BDC9FD1C3A}</a:tableStyleId>
-              </a:tblPr>
-              <a:tblGrid>
-                <a:gridCol w="12192000">
-                  <a:extLst>
-                    <a:ext uri="{9D8B030D-6E8A-4147-A177-3AD203B41FA5}">
-                      <a16:colId xmlns:a16="http://schemas.microsoft.com/office/drawing/2014/main" val="20000"/>
-                    </a:ext>
-                  </a:extLst>
-                </a:gridCol>
-              </a:tblGrid>
-              <a:tr h="308094">
-                <a:tc>
-                  <a:txBody>
-                    <a:bodyPr/>
-                    <a:lstStyle/>
-                    <a:p>
-                      <a:r>
-                        <a:rPr lang="en-US" dirty="0"/>
-                        <a:t>Acronis @ </a:t>
-                      </a:r>
-                      <a:r>
-                        <a:rPr lang="ru-RU" dirty="0"/>
-                        <a:t>МФТИ</a:t>
-                      </a:r>
-                    </a:p>
-                  </a:txBody>
-                  <a:tcPr/>
-                </a:tc>
-                <a:extLst>
-                  <a:ext uri="{0D108BD9-81ED-4DB2-BD59-A6C34878D82A}">
-                    <a16:rowId xmlns:a16="http://schemas.microsoft.com/office/drawing/2014/main" val="10000"/>
-                  </a:ext>
-                </a:extLst>
-              </a:tr>
-            </a:tbl>
-          </a:graphicData>
-        </a:graphic>
-      </p:graphicFrame>
       <p:graphicFrame>
         <p:nvGraphicFramePr>
           <p:cNvPr id="2" name="Table 1"/>
@@ -23804,7 +22976,7 @@
 </p:sld>
 </file>
 
-<file path=ppt/slides/slide23.xml><?xml version="1.0" encoding="utf-8"?>
+<file path=ppt/slides/slide22.xml><?xml version="1.0" encoding="utf-8"?>
 <p:sld xmlns:a="http://schemas.openxmlformats.org/drawingml/2006/main" xmlns:r="http://schemas.openxmlformats.org/officeDocument/2006/relationships" xmlns:p="http://schemas.openxmlformats.org/presentationml/2006/main">
   <p:cSld>
     <p:spTree>

--- a/talks/src/class05.pptx
+++ b/talks/src/class05.pptx
@@ -23,17 +23,17 @@
     <p:sldId id="374" r:id="rId11"/>
     <p:sldId id="373" r:id="rId12"/>
     <p:sldId id="376" r:id="rId13"/>
-    <p:sldId id="363" r:id="rId14"/>
-    <p:sldId id="385" r:id="rId15"/>
-    <p:sldId id="365" r:id="rId16"/>
-    <p:sldId id="379" r:id="rId17"/>
-    <p:sldId id="360" r:id="rId18"/>
-    <p:sldId id="380" r:id="rId19"/>
-    <p:sldId id="381" r:id="rId20"/>
-    <p:sldId id="382" r:id="rId21"/>
-    <p:sldId id="383" r:id="rId22"/>
-    <p:sldId id="366" r:id="rId23"/>
-    <p:sldId id="384" r:id="rId24"/>
+    <p:sldId id="386" r:id="rId14"/>
+    <p:sldId id="363" r:id="rId15"/>
+    <p:sldId id="385" r:id="rId16"/>
+    <p:sldId id="365" r:id="rId17"/>
+    <p:sldId id="379" r:id="rId18"/>
+    <p:sldId id="360" r:id="rId19"/>
+    <p:sldId id="380" r:id="rId20"/>
+    <p:sldId id="381" r:id="rId21"/>
+    <p:sldId id="382" r:id="rId22"/>
+    <p:sldId id="383" r:id="rId23"/>
+    <p:sldId id="366" r:id="rId24"/>
   </p:sldIdLst>
   <p:sldSz cx="12192000" cy="6858000"/>
   <p:notesSz cx="6858000" cy="9144000"/>
@@ -225,7 +225,7 @@
           <a:p>
             <a:fld id="{56C6788E-680A-49E5-BB93-D456A9D23A29}" type="datetimeFigureOut">
               <a:rPr lang="ru-RU" smtClean="0"/>
-              <a:t>04.11.2018</a:t>
+              <a:t>09.10.2019</a:t>
             </a:fld>
             <a:endParaRPr lang="ru-RU"/>
           </a:p>
@@ -394,7 +394,7 @@
           <a:p>
             <a:fld id="{C4DF4945-C160-4CD5-B124-49B9BE14C0AB}" type="datetimeFigureOut">
               <a:rPr lang="ru-RU" smtClean="0"/>
-              <a:t>04.11.2018</a:t>
+              <a:t>09.10.2019</a:t>
             </a:fld>
             <a:endParaRPr lang="ru-RU"/>
           </a:p>
@@ -1077,7 +1077,7 @@
     </p:spTree>
     <p:extLst>
       <p:ext uri="{BB962C8B-B14F-4D97-AF65-F5344CB8AC3E}">
-        <p14:creationId xmlns:p14="http://schemas.microsoft.com/office/powerpoint/2010/main" val="803915400"/>
+        <p14:creationId xmlns:p14="http://schemas.microsoft.com/office/powerpoint/2010/main" val="3701663081"/>
       </p:ext>
     </p:extLst>
   </p:cSld>
@@ -1183,7 +1183,7 @@
     </p:spTree>
     <p:extLst>
       <p:ext uri="{BB962C8B-B14F-4D97-AF65-F5344CB8AC3E}">
-        <p14:creationId xmlns:p14="http://schemas.microsoft.com/office/powerpoint/2010/main" val="2508917103"/>
+        <p14:creationId xmlns:p14="http://schemas.microsoft.com/office/powerpoint/2010/main" val="803915400"/>
       </p:ext>
     </p:extLst>
   </p:cSld>
@@ -1289,7 +1289,7 @@
     </p:spTree>
     <p:extLst>
       <p:ext uri="{BB962C8B-B14F-4D97-AF65-F5344CB8AC3E}">
-        <p14:creationId xmlns:p14="http://schemas.microsoft.com/office/powerpoint/2010/main" val="1983592272"/>
+        <p14:creationId xmlns:p14="http://schemas.microsoft.com/office/powerpoint/2010/main" val="2508917103"/>
       </p:ext>
     </p:extLst>
   </p:cSld>
@@ -1395,7 +1395,7 @@
     </p:spTree>
     <p:extLst>
       <p:ext uri="{BB962C8B-B14F-4D97-AF65-F5344CB8AC3E}">
-        <p14:creationId xmlns:p14="http://schemas.microsoft.com/office/powerpoint/2010/main" val="1735800094"/>
+        <p14:creationId xmlns:p14="http://schemas.microsoft.com/office/powerpoint/2010/main" val="1983592272"/>
       </p:ext>
     </p:extLst>
   </p:cSld>
@@ -1501,7 +1501,7 @@
     </p:spTree>
     <p:extLst>
       <p:ext uri="{BB962C8B-B14F-4D97-AF65-F5344CB8AC3E}">
-        <p14:creationId xmlns:p14="http://schemas.microsoft.com/office/powerpoint/2010/main" val="2743819396"/>
+        <p14:creationId xmlns:p14="http://schemas.microsoft.com/office/powerpoint/2010/main" val="1735800094"/>
       </p:ext>
     </p:extLst>
   </p:cSld>
@@ -1607,7 +1607,7 @@
     </p:spTree>
     <p:extLst>
       <p:ext uri="{BB962C8B-B14F-4D97-AF65-F5344CB8AC3E}">
-        <p14:creationId xmlns:p14="http://schemas.microsoft.com/office/powerpoint/2010/main" val="1207589907"/>
+        <p14:creationId xmlns:p14="http://schemas.microsoft.com/office/powerpoint/2010/main" val="2743819396"/>
       </p:ext>
     </p:extLst>
   </p:cSld>
@@ -1713,7 +1713,7 @@
     </p:spTree>
     <p:extLst>
       <p:ext uri="{BB962C8B-B14F-4D97-AF65-F5344CB8AC3E}">
-        <p14:creationId xmlns:p14="http://schemas.microsoft.com/office/powerpoint/2010/main" val="1124931249"/>
+        <p14:creationId xmlns:p14="http://schemas.microsoft.com/office/powerpoint/2010/main" val="1207589907"/>
       </p:ext>
     </p:extLst>
   </p:cSld>
@@ -1819,7 +1819,7 @@
     </p:spTree>
     <p:extLst>
       <p:ext uri="{BB962C8B-B14F-4D97-AF65-F5344CB8AC3E}">
-        <p14:creationId xmlns:p14="http://schemas.microsoft.com/office/powerpoint/2010/main" val="92244797"/>
+        <p14:creationId xmlns:p14="http://schemas.microsoft.com/office/powerpoint/2010/main" val="1124931249"/>
       </p:ext>
     </p:extLst>
   </p:cSld>
@@ -2031,7 +2031,7 @@
     </p:spTree>
     <p:extLst>
       <p:ext uri="{BB962C8B-B14F-4D97-AF65-F5344CB8AC3E}">
-        <p14:creationId xmlns:p14="http://schemas.microsoft.com/office/powerpoint/2010/main" val="1950392014"/>
+        <p14:creationId xmlns:p14="http://schemas.microsoft.com/office/powerpoint/2010/main" val="92244797"/>
       </p:ext>
     </p:extLst>
   </p:cSld>
@@ -2137,7 +2137,7 @@
     </p:spTree>
     <p:extLst>
       <p:ext uri="{BB962C8B-B14F-4D97-AF65-F5344CB8AC3E}">
-        <p14:creationId xmlns:p14="http://schemas.microsoft.com/office/powerpoint/2010/main" val="2523101175"/>
+        <p14:creationId xmlns:p14="http://schemas.microsoft.com/office/powerpoint/2010/main" val="1950392014"/>
       </p:ext>
     </p:extLst>
   </p:cSld>
@@ -2243,7 +2243,7 @@
     </p:spTree>
     <p:extLst>
       <p:ext uri="{BB962C8B-B14F-4D97-AF65-F5344CB8AC3E}">
-        <p14:creationId xmlns:p14="http://schemas.microsoft.com/office/powerpoint/2010/main" val="1047610436"/>
+        <p14:creationId xmlns:p14="http://schemas.microsoft.com/office/powerpoint/2010/main" val="2523101175"/>
       </p:ext>
     </p:extLst>
   </p:cSld>
@@ -3126,7 +3126,7 @@
           <a:p>
             <a:fld id="{12C63722-5D9F-4E99-9720-9B6A0C7BB1C9}" type="datetimeFigureOut">
               <a:rPr lang="ru-RU" smtClean="0"/>
-              <a:t>04.11.2018</a:t>
+              <a:t>09.10.2019</a:t>
             </a:fld>
             <a:endParaRPr lang="ru-RU"/>
           </a:p>
@@ -3296,7 +3296,7 @@
           <a:p>
             <a:fld id="{12C63722-5D9F-4E99-9720-9B6A0C7BB1C9}" type="datetimeFigureOut">
               <a:rPr lang="ru-RU" smtClean="0"/>
-              <a:t>04.11.2018</a:t>
+              <a:t>09.10.2019</a:t>
             </a:fld>
             <a:endParaRPr lang="ru-RU"/>
           </a:p>
@@ -3476,7 +3476,7 @@
           <a:p>
             <a:fld id="{12C63722-5D9F-4E99-9720-9B6A0C7BB1C9}" type="datetimeFigureOut">
               <a:rPr lang="ru-RU" smtClean="0"/>
-              <a:t>04.11.2018</a:t>
+              <a:t>09.10.2019</a:t>
             </a:fld>
             <a:endParaRPr lang="ru-RU"/>
           </a:p>
@@ -3668,7 +3668,7 @@
           <a:p>
             <a:fld id="{8C218C88-2408-4CFC-B25C-07450930B282}" type="datetimeFigureOut">
               <a:rPr lang="ru-RU" smtClean="0"/>
-              <a:t>04.11.2018</a:t>
+              <a:t>09.10.2019</a:t>
             </a:fld>
             <a:endParaRPr lang="ru-RU"/>
           </a:p>
@@ -3838,7 +3838,7 @@
           <a:p>
             <a:fld id="{8C218C88-2408-4CFC-B25C-07450930B282}" type="datetimeFigureOut">
               <a:rPr lang="ru-RU" smtClean="0"/>
-              <a:t>04.11.2018</a:t>
+              <a:t>09.10.2019</a:t>
             </a:fld>
             <a:endParaRPr lang="ru-RU"/>
           </a:p>
@@ -4084,7 +4084,7 @@
           <a:p>
             <a:fld id="{8C218C88-2408-4CFC-B25C-07450930B282}" type="datetimeFigureOut">
               <a:rPr lang="ru-RU" smtClean="0"/>
-              <a:t>04.11.2018</a:t>
+              <a:t>09.10.2019</a:t>
             </a:fld>
             <a:endParaRPr lang="ru-RU"/>
           </a:p>
@@ -4316,7 +4316,7 @@
           <a:p>
             <a:fld id="{8C218C88-2408-4CFC-B25C-07450930B282}" type="datetimeFigureOut">
               <a:rPr lang="ru-RU" smtClean="0"/>
-              <a:t>04.11.2018</a:t>
+              <a:t>09.10.2019</a:t>
             </a:fld>
             <a:endParaRPr lang="ru-RU"/>
           </a:p>
@@ -4683,7 +4683,7 @@
           <a:p>
             <a:fld id="{8C218C88-2408-4CFC-B25C-07450930B282}" type="datetimeFigureOut">
               <a:rPr lang="ru-RU" smtClean="0"/>
-              <a:t>04.11.2018</a:t>
+              <a:t>09.10.2019</a:t>
             </a:fld>
             <a:endParaRPr lang="ru-RU"/>
           </a:p>
@@ -4801,7 +4801,7 @@
           <a:p>
             <a:fld id="{8C218C88-2408-4CFC-B25C-07450930B282}" type="datetimeFigureOut">
               <a:rPr lang="ru-RU" smtClean="0"/>
-              <a:t>04.11.2018</a:t>
+              <a:t>09.10.2019</a:t>
             </a:fld>
             <a:endParaRPr lang="ru-RU"/>
           </a:p>
@@ -4896,7 +4896,7 @@
           <a:p>
             <a:fld id="{8C218C88-2408-4CFC-B25C-07450930B282}" type="datetimeFigureOut">
               <a:rPr lang="ru-RU" smtClean="0"/>
-              <a:t>04.11.2018</a:t>
+              <a:t>09.10.2019</a:t>
             </a:fld>
             <a:endParaRPr lang="ru-RU"/>
           </a:p>
@@ -5173,7 +5173,7 @@
           <a:p>
             <a:fld id="{8C218C88-2408-4CFC-B25C-07450930B282}" type="datetimeFigureOut">
               <a:rPr lang="ru-RU" smtClean="0"/>
-              <a:t>04.11.2018</a:t>
+              <a:t>09.10.2019</a:t>
             </a:fld>
             <a:endParaRPr lang="ru-RU"/>
           </a:p>
@@ -5343,7 +5343,7 @@
           <a:p>
             <a:fld id="{12C63722-5D9F-4E99-9720-9B6A0C7BB1C9}" type="datetimeFigureOut">
               <a:rPr lang="ru-RU" smtClean="0"/>
-              <a:t>04.11.2018</a:t>
+              <a:t>09.10.2019</a:t>
             </a:fld>
             <a:endParaRPr lang="ru-RU"/>
           </a:p>
@@ -5596,7 +5596,7 @@
           <a:p>
             <a:fld id="{8C218C88-2408-4CFC-B25C-07450930B282}" type="datetimeFigureOut">
               <a:rPr lang="ru-RU" smtClean="0"/>
-              <a:t>04.11.2018</a:t>
+              <a:t>09.10.2019</a:t>
             </a:fld>
             <a:endParaRPr lang="ru-RU"/>
           </a:p>
@@ -5766,7 +5766,7 @@
           <a:p>
             <a:fld id="{8C218C88-2408-4CFC-B25C-07450930B282}" type="datetimeFigureOut">
               <a:rPr lang="ru-RU" smtClean="0"/>
-              <a:t>04.11.2018</a:t>
+              <a:t>09.10.2019</a:t>
             </a:fld>
             <a:endParaRPr lang="ru-RU"/>
           </a:p>
@@ -5946,7 +5946,7 @@
           <a:p>
             <a:fld id="{8C218C88-2408-4CFC-B25C-07450930B282}" type="datetimeFigureOut">
               <a:rPr lang="ru-RU" smtClean="0"/>
-              <a:t>04.11.2018</a:t>
+              <a:t>09.10.2019</a:t>
             </a:fld>
             <a:endParaRPr lang="ru-RU"/>
           </a:p>
@@ -6192,7 +6192,7 @@
           <a:p>
             <a:fld id="{12C63722-5D9F-4E99-9720-9B6A0C7BB1C9}" type="datetimeFigureOut">
               <a:rPr lang="ru-RU" smtClean="0"/>
-              <a:t>04.11.2018</a:t>
+              <a:t>09.10.2019</a:t>
             </a:fld>
             <a:endParaRPr lang="ru-RU"/>
           </a:p>
@@ -6432,7 +6432,7 @@
           <a:p>
             <a:fld id="{12C63722-5D9F-4E99-9720-9B6A0C7BB1C9}" type="datetimeFigureOut">
               <a:rPr lang="ru-RU" smtClean="0"/>
-              <a:t>04.11.2018</a:t>
+              <a:t>09.10.2019</a:t>
             </a:fld>
             <a:endParaRPr lang="ru-RU"/>
           </a:p>
@@ -6799,7 +6799,7 @@
           <a:p>
             <a:fld id="{12C63722-5D9F-4E99-9720-9B6A0C7BB1C9}" type="datetimeFigureOut">
               <a:rPr lang="ru-RU" smtClean="0"/>
-              <a:t>04.11.2018</a:t>
+              <a:t>09.10.2019</a:t>
             </a:fld>
             <a:endParaRPr lang="ru-RU"/>
           </a:p>
@@ -6917,7 +6917,7 @@
           <a:p>
             <a:fld id="{12C63722-5D9F-4E99-9720-9B6A0C7BB1C9}" type="datetimeFigureOut">
               <a:rPr lang="ru-RU" smtClean="0"/>
-              <a:t>04.11.2018</a:t>
+              <a:t>09.10.2019</a:t>
             </a:fld>
             <a:endParaRPr lang="ru-RU"/>
           </a:p>
@@ -7012,7 +7012,7 @@
           <a:p>
             <a:fld id="{12C63722-5D9F-4E99-9720-9B6A0C7BB1C9}" type="datetimeFigureOut">
               <a:rPr lang="ru-RU" smtClean="0"/>
-              <a:t>04.11.2018</a:t>
+              <a:t>09.10.2019</a:t>
             </a:fld>
             <a:endParaRPr lang="ru-RU"/>
           </a:p>
@@ -7289,7 +7289,7 @@
           <a:p>
             <a:fld id="{12C63722-5D9F-4E99-9720-9B6A0C7BB1C9}" type="datetimeFigureOut">
               <a:rPr lang="ru-RU" smtClean="0"/>
-              <a:t>04.11.2018</a:t>
+              <a:t>09.10.2019</a:t>
             </a:fld>
             <a:endParaRPr lang="ru-RU"/>
           </a:p>
@@ -7542,7 +7542,7 @@
           <a:p>
             <a:fld id="{12C63722-5D9F-4E99-9720-9B6A0C7BB1C9}" type="datetimeFigureOut">
               <a:rPr lang="ru-RU" smtClean="0"/>
-              <a:t>04.11.2018</a:t>
+              <a:t>09.10.2019</a:t>
             </a:fld>
             <a:endParaRPr lang="ru-RU"/>
           </a:p>
@@ -7755,7 +7755,7 @@
           <a:p>
             <a:fld id="{12C63722-5D9F-4E99-9720-9B6A0C7BB1C9}" type="datetimeFigureOut">
               <a:rPr lang="ru-RU" smtClean="0"/>
-              <a:t>04.11.2018</a:t>
+              <a:t>09.10.2019</a:t>
             </a:fld>
             <a:endParaRPr lang="ru-RU"/>
           </a:p>
@@ -8295,7 +8295,7 @@
           <a:p>
             <a:fld id="{8C218C88-2408-4CFC-B25C-07450930B282}" type="datetimeFigureOut">
               <a:rPr lang="ru-RU" smtClean="0"/>
-              <a:t>04.11.2018</a:t>
+              <a:t>09.10.2019</a:t>
             </a:fld>
             <a:endParaRPr lang="ru-RU"/>
           </a:p>
@@ -9088,14 +9088,14 @@
           <p:nvPr>
             <p:extLst>
               <p:ext uri="{D42A27DB-BD31-4B8C-83A1-F6EECF244321}">
-                <p14:modId xmlns:p14="http://schemas.microsoft.com/office/powerpoint/2010/main" val="1948195883"/>
+                <p14:modId xmlns:p14="http://schemas.microsoft.com/office/powerpoint/2010/main" val="3910470075"/>
               </p:ext>
             </p:extLst>
           </p:nvPr>
         </p:nvGraphicFramePr>
         <p:xfrm>
           <a:off x="-1" y="365761"/>
-          <a:ext cx="12192001" cy="5760720"/>
+          <a:ext cx="12192001" cy="6492240"/>
         </p:xfrm>
         <a:graphic>
           <a:graphicData uri="http://schemas.openxmlformats.org/drawingml/2006/table">
@@ -9112,7 +9112,7 @@
                   </a:extLst>
                 </a:gridCol>
               </a:tblGrid>
-              <a:tr h="370840">
+              <a:tr h="433606">
                 <a:tc>
                   <a:txBody>
                     <a:bodyPr/>
@@ -9137,7 +9137,7 @@
                   </a:ext>
                 </a:extLst>
               </a:tr>
-              <a:tr h="370840">
+              <a:tr h="5029831">
                 <a:tc>
                   <a:txBody>
                     <a:bodyPr/>
@@ -9217,6 +9217,54 @@
                 <a:extLst>
                   <a:ext uri="{0D108BD9-81ED-4DB2-BD59-A6C34878D82A}">
                     <a16:rowId xmlns:a16="http://schemas.microsoft.com/office/drawing/2014/main" val="10001"/>
+                  </a:ext>
+                </a:extLst>
+              </a:tr>
+              <a:tr h="351703">
+                <a:tc>
+                  <a:txBody>
+                    <a:bodyPr/>
+                    <a:lstStyle/>
+                    <a:p>
+                      <a:r>
+                        <a:rPr lang="ru-RU" baseline="0" dirty="0" smtClean="0"/>
+                        <a:t>Поиграться с 2-3 деревьями можно здесь: </a:t>
+                      </a:r>
+                      <a:r>
+                        <a:rPr lang="en-US" baseline="0" dirty="0" smtClean="0">
+                          <a:hlinkClick r:id="rId3"/>
+                        </a:rPr>
+                        <a:t>https://www.cs.usfca.edu/~galles/visualization/BTree.html</a:t>
+                      </a:r>
+                      <a:r>
+                        <a:rPr lang="ru-RU" baseline="0" dirty="0" smtClean="0"/>
+                        <a:t> </a:t>
+                      </a:r>
+                      <a:endParaRPr lang="en-US" baseline="0" dirty="0"/>
+                    </a:p>
+                  </a:txBody>
+                  <a:tcPr/>
+                </a:tc>
+                <a:extLst>
+                  <a:ext uri="{0D108BD9-81ED-4DB2-BD59-A6C34878D82A}">
+                    <a16:rowId xmlns:a16="http://schemas.microsoft.com/office/drawing/2014/main" val="735266382"/>
+                  </a:ext>
+                </a:extLst>
+              </a:tr>
+              <a:tr h="351703">
+                <a:tc>
+                  <a:txBody>
+                    <a:bodyPr/>
+                    <a:lstStyle/>
+                    <a:p>
+                      <a:endParaRPr lang="en-US" baseline="0" dirty="0"/>
+                    </a:p>
+                  </a:txBody>
+                  <a:tcPr/>
+                </a:tc>
+                <a:extLst>
+                  <a:ext uri="{0D108BD9-81ED-4DB2-BD59-A6C34878D82A}">
+                    <a16:rowId xmlns:a16="http://schemas.microsoft.com/office/drawing/2014/main" val="2164336843"/>
                   </a:ext>
                 </a:extLst>
               </a:tr>
@@ -12781,7 +12829,7 @@
           <p:nvPr>
             <p:extLst>
               <p:ext uri="{D42A27DB-BD31-4B8C-83A1-F6EECF244321}">
-                <p14:modId xmlns:p14="http://schemas.microsoft.com/office/powerpoint/2010/main" val="1584939216"/>
+                <p14:modId xmlns:p14="http://schemas.microsoft.com/office/powerpoint/2010/main" val="1282074988"/>
               </p:ext>
             </p:extLst>
           </p:nvPr>
@@ -12939,7 +12987,45 @@
                         <a:rPr lang="en-US" baseline="0" dirty="0">
                           <a:hlinkClick r:id="rId3"/>
                         </a:rPr>
-                        <a:t>https://algs4.cs.princeton.edu/33balanced/</a:t>
+                        <a:t>https://algs4.cs.princeton.edu/33balanced</a:t>
+                      </a:r>
+                      <a:r>
+                        <a:rPr lang="en-US" baseline="0" dirty="0" smtClean="0">
+                          <a:hlinkClick r:id="rId3"/>
+                        </a:rPr>
+                        <a:t>/</a:t>
+                      </a:r>
+                      <a:endParaRPr lang="en-US" baseline="0" dirty="0" smtClean="0"/>
+                    </a:p>
+                    <a:p>
+                      <a:r>
+                        <a:rPr lang="ru-RU" baseline="0" dirty="0" smtClean="0"/>
+                        <a:t>Поиграться с </a:t>
+                      </a:r>
+                      <a:r>
+                        <a:rPr lang="en-US" baseline="0" dirty="0" err="1" smtClean="0"/>
+                        <a:t>rbtree</a:t>
+                      </a:r>
+                      <a:r>
+                        <a:rPr lang="en-US" baseline="0" dirty="0" smtClean="0"/>
+                        <a:t> </a:t>
+                      </a:r>
+                      <a:r>
+                        <a:rPr lang="ru-RU" baseline="0" dirty="0" smtClean="0"/>
+                        <a:t>можно здесь:</a:t>
+                      </a:r>
+                      <a:endParaRPr lang="en-US" baseline="0" dirty="0" smtClean="0"/>
+                    </a:p>
+                    <a:p>
+                      <a:r>
+                        <a:rPr lang="en-US" baseline="0" dirty="0" smtClean="0">
+                          <a:hlinkClick r:id="rId4"/>
+                        </a:rPr>
+                        <a:t>https://www.cs.usfca.edu/~galles/visualization/RedBlack.html</a:t>
+                      </a:r>
+                      <a:r>
+                        <a:rPr lang="en-US" baseline="0" dirty="0" smtClean="0"/>
+                        <a:t> </a:t>
                       </a:r>
                       <a:endParaRPr lang="en-US" baseline="0" dirty="0"/>
                     </a:p>
@@ -12968,7 +13054,7 @@
           <p:nvPr>
             <p:extLst>
               <p:ext uri="{D42A27DB-BD31-4B8C-83A1-F6EECF244321}">
-                <p14:modId xmlns:p14="http://schemas.microsoft.com/office/powerpoint/2010/main" val="1196604082"/>
+                <p14:modId xmlns:p14="http://schemas.microsoft.com/office/powerpoint/2010/main" val="2503376725"/>
               </p:ext>
             </p:extLst>
           </p:nvPr>
@@ -13001,7 +13087,7 @@
                       <a:pPr algn="ctr"/>
                       <a:r>
                         <a:rPr lang="en-US" dirty="0"/>
-                        <a:t>A   B</a:t>
+                        <a:t>A   </a:t>
                       </a:r>
                     </a:p>
                   </a:txBody>
@@ -13066,61 +13152,6 @@
       </p:sp>
       <p:sp>
         <p:nvSpPr>
-          <p:cNvPr id="13" name="Triangle 12"/>
-          <p:cNvSpPr/>
-          <p:nvPr/>
-        </p:nvSpPr>
-        <p:spPr>
-          <a:xfrm>
-            <a:off x="2902467" y="2231467"/>
-            <a:ext cx="2031800" cy="1167788"/>
-          </a:xfrm>
-          <a:prstGeom prst="triangle">
-            <a:avLst/>
-          </a:prstGeom>
-        </p:spPr>
-        <p:style>
-          <a:lnRef idx="2">
-            <a:schemeClr val="accent1">
-              <a:shade val="50000"/>
-            </a:schemeClr>
-          </a:lnRef>
-          <a:fillRef idx="1">
-            <a:schemeClr val="accent1"/>
-          </a:fillRef>
-          <a:effectRef idx="0">
-            <a:schemeClr val="accent1"/>
-          </a:effectRef>
-          <a:fontRef idx="minor">
-            <a:schemeClr val="lt1"/>
-          </a:fontRef>
-        </p:style>
-        <p:txBody>
-          <a:bodyPr rtlCol="0" anchor="ctr"/>
-          <a:lstStyle/>
-          <a:p>
-            <a:pPr algn="ctr"/>
-            <a:r>
-              <a:rPr lang="ru-RU" dirty="0"/>
-              <a:t>Между </a:t>
-            </a:r>
-            <a:r>
-              <a:rPr lang="en-US" dirty="0"/>
-              <a:t>A </a:t>
-            </a:r>
-            <a:r>
-              <a:rPr lang="ru-RU" dirty="0"/>
-              <a:t>и </a:t>
-            </a:r>
-            <a:r>
-              <a:rPr lang="en-US" dirty="0"/>
-              <a:t>B</a:t>
-            </a:r>
-          </a:p>
-        </p:txBody>
-      </p:sp>
-      <p:sp>
-        <p:nvSpPr>
           <p:cNvPr id="14" name="Triangle 13"/>
           <p:cNvSpPr/>
           <p:nvPr/>
@@ -13176,39 +13207,6 @@
           <a:xfrm flipH="1">
             <a:off x="1731458" y="1731627"/>
             <a:ext cx="1830395" cy="499840"/>
-          </a:xfrm>
-          <a:prstGeom prst="straightConnector1">
-            <a:avLst/>
-          </a:prstGeom>
-          <a:ln w="38100">
-            <a:tailEnd type="triangle"/>
-          </a:ln>
-        </p:spPr>
-        <p:style>
-          <a:lnRef idx="1">
-            <a:schemeClr val="accent1"/>
-          </a:lnRef>
-          <a:fillRef idx="0">
-            <a:schemeClr val="accent1"/>
-          </a:fillRef>
-          <a:effectRef idx="0">
-            <a:schemeClr val="accent1"/>
-          </a:effectRef>
-          <a:fontRef idx="minor">
-            <a:schemeClr val="tx1"/>
-          </a:fontRef>
-        </p:style>
-      </p:cxnSp>
-      <p:cxnSp>
-        <p:nvCxnSpPr>
-          <p:cNvPr id="22" name="Straight Arrow Connector 21"/>
-          <p:cNvCxnSpPr/>
-          <p:nvPr/>
-        </p:nvCxnSpPr>
-        <p:spPr>
-          <a:xfrm>
-            <a:off x="3903377" y="1731627"/>
-            <a:ext cx="0" cy="499840"/>
           </a:xfrm>
           <a:prstGeom prst="straightConnector1">
             <a:avLst/>
@@ -13269,6 +13267,896 @@
       </p:cxnSp>
       <p:graphicFrame>
         <p:nvGraphicFramePr>
+          <p:cNvPr id="25" name="Table 24"/>
+          <p:cNvGraphicFramePr>
+            <a:graphicFrameLocks noGrp="1"/>
+          </p:cNvGraphicFramePr>
+          <p:nvPr>
+            <p:extLst>
+              <p:ext uri="{D42A27DB-BD31-4B8C-83A1-F6EECF244321}">
+                <p14:modId xmlns:p14="http://schemas.microsoft.com/office/powerpoint/2010/main" val="3946850515"/>
+              </p:ext>
+            </p:extLst>
+          </p:nvPr>
+        </p:nvGraphicFramePr>
+        <p:xfrm>
+          <a:off x="3561854" y="3765015"/>
+          <a:ext cx="683047" cy="365760"/>
+        </p:xfrm>
+        <a:graphic>
+          <a:graphicData uri="http://schemas.openxmlformats.org/drawingml/2006/table">
+            <a:tbl>
+              <a:tblPr firstRow="1" bandRow="1">
+                <a:tableStyleId>{5C22544A-7EE6-4342-B048-85BDC9FD1C3A}</a:tableStyleId>
+              </a:tblPr>
+              <a:tblGrid>
+                <a:gridCol w="683047">
+                  <a:extLst>
+                    <a:ext uri="{9D8B030D-6E8A-4147-A177-3AD203B41FA5}">
+                      <a16:colId xmlns:a16="http://schemas.microsoft.com/office/drawing/2014/main" val="20000"/>
+                    </a:ext>
+                  </a:extLst>
+                </a:gridCol>
+              </a:tblGrid>
+              <a:tr h="359930">
+                <a:tc>
+                  <a:txBody>
+                    <a:bodyPr/>
+                    <a:lstStyle/>
+                    <a:p>
+                      <a:pPr algn="ctr"/>
+                      <a:r>
+                        <a:rPr lang="en-US" dirty="0"/>
+                        <a:t>A   </a:t>
+                      </a:r>
+                    </a:p>
+                  </a:txBody>
+                  <a:tcPr/>
+                </a:tc>
+                <a:extLst>
+                  <a:ext uri="{0D108BD9-81ED-4DB2-BD59-A6C34878D82A}">
+                    <a16:rowId xmlns:a16="http://schemas.microsoft.com/office/drawing/2014/main" val="10000"/>
+                  </a:ext>
+                </a:extLst>
+              </a:tr>
+            </a:tbl>
+          </a:graphicData>
+        </a:graphic>
+      </p:graphicFrame>
+      <p:sp>
+        <p:nvSpPr>
+          <p:cNvPr id="26" name="Triangle 11"/>
+          <p:cNvSpPr/>
+          <p:nvPr/>
+        </p:nvSpPr>
+        <p:spPr>
+          <a:xfrm>
+            <a:off x="730548" y="4626534"/>
+            <a:ext cx="2031800" cy="1167788"/>
+          </a:xfrm>
+          <a:prstGeom prst="triangle">
+            <a:avLst/>
+          </a:prstGeom>
+        </p:spPr>
+        <p:style>
+          <a:lnRef idx="2">
+            <a:schemeClr val="accent1">
+              <a:shade val="50000"/>
+            </a:schemeClr>
+          </a:lnRef>
+          <a:fillRef idx="1">
+            <a:schemeClr val="accent1"/>
+          </a:fillRef>
+          <a:effectRef idx="0">
+            <a:schemeClr val="accent1"/>
+          </a:effectRef>
+          <a:fontRef idx="minor">
+            <a:schemeClr val="lt1"/>
+          </a:fontRef>
+        </p:style>
+        <p:txBody>
+          <a:bodyPr rtlCol="0" anchor="ctr"/>
+          <a:lstStyle/>
+          <a:p>
+            <a:pPr algn="ctr"/>
+            <a:r>
+              <a:rPr lang="ru-RU" dirty="0"/>
+              <a:t>Меньше </a:t>
+            </a:r>
+            <a:r>
+              <a:rPr lang="en-US" dirty="0"/>
+              <a:t>A</a:t>
+            </a:r>
+          </a:p>
+        </p:txBody>
+      </p:sp>
+      <p:sp>
+        <p:nvSpPr>
+          <p:cNvPr id="29" name="Triangle 13"/>
+          <p:cNvSpPr/>
+          <p:nvPr/>
+        </p:nvSpPr>
+        <p:spPr>
+          <a:xfrm>
+            <a:off x="5059396" y="4626534"/>
+            <a:ext cx="2031800" cy="1167788"/>
+          </a:xfrm>
+          <a:prstGeom prst="triangle">
+            <a:avLst/>
+          </a:prstGeom>
+        </p:spPr>
+        <p:style>
+          <a:lnRef idx="2">
+            <a:schemeClr val="accent1">
+              <a:shade val="50000"/>
+            </a:schemeClr>
+          </a:lnRef>
+          <a:fillRef idx="1">
+            <a:schemeClr val="accent1"/>
+          </a:fillRef>
+          <a:effectRef idx="0">
+            <a:schemeClr val="accent1"/>
+          </a:effectRef>
+          <a:fontRef idx="minor">
+            <a:schemeClr val="lt1"/>
+          </a:fontRef>
+        </p:style>
+        <p:txBody>
+          <a:bodyPr rtlCol="0" anchor="ctr"/>
+          <a:lstStyle/>
+          <a:p>
+            <a:pPr algn="ctr"/>
+            <a:r>
+              <a:rPr lang="ru-RU" dirty="0"/>
+              <a:t>Больше</a:t>
+            </a:r>
+            <a:r>
+              <a:rPr lang="en-US" dirty="0"/>
+              <a:t>B</a:t>
+            </a:r>
+          </a:p>
+        </p:txBody>
+      </p:sp>
+      <p:cxnSp>
+        <p:nvCxnSpPr>
+          <p:cNvPr id="31" name="Straight Arrow Connector 30"/>
+          <p:cNvCxnSpPr/>
+          <p:nvPr/>
+        </p:nvCxnSpPr>
+        <p:spPr>
+          <a:xfrm flipH="1">
+            <a:off x="1731458" y="4126694"/>
+            <a:ext cx="1830395" cy="499840"/>
+          </a:xfrm>
+          <a:prstGeom prst="straightConnector1">
+            <a:avLst/>
+          </a:prstGeom>
+          <a:ln w="38100">
+            <a:solidFill>
+              <a:schemeClr val="tx1"/>
+            </a:solidFill>
+            <a:tailEnd type="triangle"/>
+          </a:ln>
+        </p:spPr>
+        <p:style>
+          <a:lnRef idx="1">
+            <a:schemeClr val="accent1"/>
+          </a:lnRef>
+          <a:fillRef idx="0">
+            <a:schemeClr val="accent1"/>
+          </a:fillRef>
+          <a:effectRef idx="0">
+            <a:schemeClr val="accent1"/>
+          </a:effectRef>
+          <a:fontRef idx="minor">
+            <a:schemeClr val="tx1"/>
+          </a:fontRef>
+        </p:style>
+      </p:cxnSp>
+      <p:cxnSp>
+        <p:nvCxnSpPr>
+          <p:cNvPr id="32" name="Straight Arrow Connector 31"/>
+          <p:cNvCxnSpPr>
+            <a:endCxn id="29" idx="0"/>
+          </p:cNvCxnSpPr>
+          <p:nvPr/>
+        </p:nvCxnSpPr>
+        <p:spPr>
+          <a:xfrm>
+            <a:off x="4244901" y="4126694"/>
+            <a:ext cx="1830395" cy="499840"/>
+          </a:xfrm>
+          <a:prstGeom prst="straightConnector1">
+            <a:avLst/>
+          </a:prstGeom>
+          <a:ln w="38100">
+            <a:solidFill>
+              <a:schemeClr val="tx1"/>
+            </a:solidFill>
+            <a:tailEnd type="triangle"/>
+          </a:ln>
+        </p:spPr>
+        <p:style>
+          <a:lnRef idx="1">
+            <a:schemeClr val="accent1"/>
+          </a:lnRef>
+          <a:fillRef idx="0">
+            <a:schemeClr val="accent1"/>
+          </a:fillRef>
+          <a:effectRef idx="0">
+            <a:schemeClr val="accent1"/>
+          </a:effectRef>
+          <a:fontRef idx="minor">
+            <a:schemeClr val="tx1"/>
+          </a:fontRef>
+        </p:style>
+      </p:cxnSp>
+    </p:spTree>
+    <p:extLst>
+      <p:ext uri="{BB962C8B-B14F-4D97-AF65-F5344CB8AC3E}">
+        <p14:creationId xmlns:p14="http://schemas.microsoft.com/office/powerpoint/2010/main" val="1406963544"/>
+      </p:ext>
+    </p:extLst>
+  </p:cSld>
+  <p:clrMapOvr>
+    <a:masterClrMapping/>
+  </p:clrMapOvr>
+</p:sld>
+</file>
+
+<file path=ppt/slides/slide12.xml><?xml version="1.0" encoding="utf-8"?>
+<p:sld xmlns:a="http://schemas.openxmlformats.org/drawingml/2006/main" xmlns:r="http://schemas.openxmlformats.org/officeDocument/2006/relationships" xmlns:p="http://schemas.openxmlformats.org/presentationml/2006/main">
+  <p:cSld>
+    <p:spTree>
+      <p:nvGrpSpPr>
+        <p:cNvPr id="1" name=""/>
+        <p:cNvGrpSpPr/>
+        <p:nvPr/>
+      </p:nvGrpSpPr>
+      <p:grpSpPr>
+        <a:xfrm>
+          <a:off x="0" y="0"/>
+          <a:ext cx="0" cy="0"/>
+          <a:chOff x="0" y="0"/>
+          <a:chExt cx="0" cy="0"/>
+        </a:xfrm>
+      </p:grpSpPr>
+      <p:graphicFrame>
+        <p:nvGraphicFramePr>
+          <p:cNvPr id="5" name="Table 4"/>
+          <p:cNvGraphicFramePr>
+            <a:graphicFrameLocks noGrp="1"/>
+          </p:cNvGraphicFramePr>
+          <p:nvPr>
+            <p:extLst/>
+          </p:nvPr>
+        </p:nvGraphicFramePr>
+        <p:xfrm>
+          <a:off x="0" y="1"/>
+          <a:ext cx="12192000" cy="365760"/>
+        </p:xfrm>
+        <a:graphic>
+          <a:graphicData uri="http://schemas.openxmlformats.org/drawingml/2006/table">
+            <a:tbl>
+              <a:tblPr firstRow="1" bandRow="1">
+                <a:tableStyleId>{5C22544A-7EE6-4342-B048-85BDC9FD1C3A}</a:tableStyleId>
+              </a:tblPr>
+              <a:tblGrid>
+                <a:gridCol w="12192000">
+                  <a:extLst>
+                    <a:ext uri="{9D8B030D-6E8A-4147-A177-3AD203B41FA5}">
+                      <a16:colId xmlns:a16="http://schemas.microsoft.com/office/drawing/2014/main" val="20000"/>
+                    </a:ext>
+                  </a:extLst>
+                </a:gridCol>
+              </a:tblGrid>
+              <a:tr h="321276">
+                <a:tc>
+                  <a:txBody>
+                    <a:bodyPr/>
+                    <a:lstStyle/>
+                    <a:p>
+                      <a:r>
+                        <a:rPr lang="ru-RU" dirty="0"/>
+                        <a:t>Основы</a:t>
+                      </a:r>
+                      <a:r>
+                        <a:rPr lang="ru-RU" baseline="0" dirty="0"/>
+                        <a:t> построения файловых систем</a:t>
+                      </a:r>
+                      <a:endParaRPr lang="ru-RU" dirty="0"/>
+                    </a:p>
+                  </a:txBody>
+                  <a:tcPr/>
+                </a:tc>
+                <a:extLst>
+                  <a:ext uri="{0D108BD9-81ED-4DB2-BD59-A6C34878D82A}">
+                    <a16:rowId xmlns:a16="http://schemas.microsoft.com/office/drawing/2014/main" val="10000"/>
+                  </a:ext>
+                </a:extLst>
+              </a:tr>
+            </a:tbl>
+          </a:graphicData>
+        </a:graphic>
+      </p:graphicFrame>
+      <p:graphicFrame>
+        <p:nvGraphicFramePr>
+          <p:cNvPr id="6" name="Table 5"/>
+          <p:cNvGraphicFramePr>
+            <a:graphicFrameLocks noGrp="1"/>
+          </p:cNvGraphicFramePr>
+          <p:nvPr>
+            <p:extLst/>
+          </p:nvPr>
+        </p:nvGraphicFramePr>
+        <p:xfrm>
+          <a:off x="0" y="6532604"/>
+          <a:ext cx="12192000" cy="365760"/>
+        </p:xfrm>
+        <a:graphic>
+          <a:graphicData uri="http://schemas.openxmlformats.org/drawingml/2006/table">
+            <a:tbl>
+              <a:tblPr firstRow="1" bandRow="1">
+                <a:tableStyleId>{5C22544A-7EE6-4342-B048-85BDC9FD1C3A}</a:tableStyleId>
+              </a:tblPr>
+              <a:tblGrid>
+                <a:gridCol w="12192000">
+                  <a:extLst>
+                    <a:ext uri="{9D8B030D-6E8A-4147-A177-3AD203B41FA5}">
+                      <a16:colId xmlns:a16="http://schemas.microsoft.com/office/drawing/2014/main" val="20000"/>
+                    </a:ext>
+                  </a:extLst>
+                </a:gridCol>
+              </a:tblGrid>
+              <a:tr h="308094">
+                <a:tc>
+                  <a:txBody>
+                    <a:bodyPr/>
+                    <a:lstStyle/>
+                    <a:p>
+                      <a:r>
+                        <a:rPr lang="en-US" dirty="0"/>
+                        <a:t>Acronis @ </a:t>
+                      </a:r>
+                      <a:r>
+                        <a:rPr lang="ru-RU" dirty="0"/>
+                        <a:t>МФТИ</a:t>
+                      </a:r>
+                    </a:p>
+                  </a:txBody>
+                  <a:tcPr/>
+                </a:tc>
+                <a:extLst>
+                  <a:ext uri="{0D108BD9-81ED-4DB2-BD59-A6C34878D82A}">
+                    <a16:rowId xmlns:a16="http://schemas.microsoft.com/office/drawing/2014/main" val="10000"/>
+                  </a:ext>
+                </a:extLst>
+              </a:tr>
+            </a:tbl>
+          </a:graphicData>
+        </a:graphic>
+      </p:graphicFrame>
+      <p:graphicFrame>
+        <p:nvGraphicFramePr>
+          <p:cNvPr id="2" name="Table 1"/>
+          <p:cNvGraphicFramePr>
+            <a:graphicFrameLocks noGrp="1"/>
+          </p:cNvGraphicFramePr>
+          <p:nvPr>
+            <p:extLst>
+              <p:ext uri="{D42A27DB-BD31-4B8C-83A1-F6EECF244321}">
+                <p14:modId xmlns:p14="http://schemas.microsoft.com/office/powerpoint/2010/main" val="1041470823"/>
+              </p:ext>
+            </p:extLst>
+          </p:nvPr>
+        </p:nvGraphicFramePr>
+        <p:xfrm>
+          <a:off x="-1" y="365761"/>
+          <a:ext cx="12192002" cy="6035040"/>
+        </p:xfrm>
+        <a:graphic>
+          <a:graphicData uri="http://schemas.openxmlformats.org/drawingml/2006/table">
+            <a:tbl>
+              <a:tblPr firstRow="1" bandRow="1">
+                <a:tableStyleId>{3B4B98B0-60AC-42C2-AFA5-B58CD77FA1E5}</a:tableStyleId>
+              </a:tblPr>
+              <a:tblGrid>
+                <a:gridCol w="7570034">
+                  <a:extLst>
+                    <a:ext uri="{9D8B030D-6E8A-4147-A177-3AD203B41FA5}">
+                      <a16:colId xmlns:a16="http://schemas.microsoft.com/office/drawing/2014/main" val="20000"/>
+                    </a:ext>
+                  </a:extLst>
+                </a:gridCol>
+                <a:gridCol w="4621968">
+                  <a:extLst>
+                    <a:ext uri="{9D8B030D-6E8A-4147-A177-3AD203B41FA5}">
+                      <a16:colId xmlns:a16="http://schemas.microsoft.com/office/drawing/2014/main" val="20001"/>
+                    </a:ext>
+                  </a:extLst>
+                </a:gridCol>
+              </a:tblGrid>
+              <a:tr h="370840">
+                <a:tc gridSpan="2">
+                  <a:txBody>
+                    <a:bodyPr/>
+                    <a:lstStyle/>
+                    <a:p>
+                      <a:r>
+                        <a:rPr lang="en-US" sz="2400" dirty="0"/>
+                        <a:t>2-3-</a:t>
+                      </a:r>
+                      <a:r>
+                        <a:rPr lang="ru-RU" sz="2400" dirty="0"/>
+                        <a:t>деревья и красно-чёрные деревья (напоминание)</a:t>
+                      </a:r>
+                      <a:endParaRPr lang="en-US" sz="2400" dirty="0"/>
+                    </a:p>
+                  </a:txBody>
+                  <a:tcPr/>
+                </a:tc>
+                <a:tc hMerge="1">
+                  <a:txBody>
+                    <a:bodyPr/>
+                    <a:lstStyle/>
+                    <a:p>
+                      <a:endParaRPr lang="en-US"/>
+                    </a:p>
+                  </a:txBody>
+                  <a:tcPr/>
+                </a:tc>
+                <a:extLst>
+                  <a:ext uri="{0D108BD9-81ED-4DB2-BD59-A6C34878D82A}">
+                    <a16:rowId xmlns:a16="http://schemas.microsoft.com/office/drawing/2014/main" val="10000"/>
+                  </a:ext>
+                </a:extLst>
+              </a:tr>
+              <a:tr h="370840">
+                <a:tc>
+                  <a:txBody>
+                    <a:bodyPr/>
+                    <a:lstStyle/>
+                    <a:p>
+                      <a:r>
+                        <a:rPr lang="ru-RU" dirty="0"/>
+                        <a:t>2-3-деревья взаимно</a:t>
+                      </a:r>
+                      <a:r>
+                        <a:rPr lang="ru-RU" baseline="0" dirty="0"/>
+                        <a:t>-однозначно соответствуют красно-чёрным:</a:t>
+                      </a:r>
+                      <a:endParaRPr lang="en-US" baseline="0" dirty="0"/>
+                    </a:p>
+                    <a:p>
+                      <a:endParaRPr lang="en-US" baseline="0" dirty="0"/>
+                    </a:p>
+                    <a:p>
+                      <a:endParaRPr lang="en-US" baseline="0" dirty="0"/>
+                    </a:p>
+                    <a:p>
+                      <a:endParaRPr lang="en-US" baseline="0" dirty="0"/>
+                    </a:p>
+                    <a:p>
+                      <a:endParaRPr lang="en-US" baseline="0" dirty="0"/>
+                    </a:p>
+                    <a:p>
+                      <a:endParaRPr lang="en-US" baseline="0" dirty="0"/>
+                    </a:p>
+                    <a:p>
+                      <a:endParaRPr lang="en-US" baseline="0" dirty="0"/>
+                    </a:p>
+                    <a:p>
+                      <a:endParaRPr lang="en-US" baseline="0" dirty="0"/>
+                    </a:p>
+                    <a:p>
+                      <a:endParaRPr lang="en-US" baseline="0" dirty="0"/>
+                    </a:p>
+                    <a:p>
+                      <a:endParaRPr lang="en-US" baseline="0" dirty="0"/>
+                    </a:p>
+                    <a:p>
+                      <a:endParaRPr lang="en-US" baseline="0" dirty="0"/>
+                    </a:p>
+                    <a:p>
+                      <a:endParaRPr lang="en-US" baseline="0" dirty="0"/>
+                    </a:p>
+                    <a:p>
+                      <a:endParaRPr lang="en-US" baseline="0" dirty="0"/>
+                    </a:p>
+                    <a:p>
+                      <a:endParaRPr lang="en-US" baseline="0" dirty="0"/>
+                    </a:p>
+                    <a:p>
+                      <a:endParaRPr lang="en-US" baseline="0" dirty="0"/>
+                    </a:p>
+                    <a:p>
+                      <a:endParaRPr lang="en-US" baseline="0" dirty="0"/>
+                    </a:p>
+                    <a:p>
+                      <a:endParaRPr lang="en-US" baseline="0" dirty="0"/>
+                    </a:p>
+                    <a:p>
+                      <a:endParaRPr lang="en-US" baseline="0" dirty="0"/>
+                    </a:p>
+                    <a:p>
+                      <a:endParaRPr lang="en-US" baseline="0" dirty="0"/>
+                    </a:p>
+                    <a:p>
+                      <a:endParaRPr lang="en-US" baseline="0" dirty="0"/>
+                    </a:p>
+                  </a:txBody>
+                  <a:tcPr/>
+                </a:tc>
+                <a:tc>
+                  <a:txBody>
+                    <a:bodyPr/>
+                    <a:lstStyle/>
+                    <a:p>
+                      <a:r>
+                        <a:rPr lang="ru-RU" baseline="0" dirty="0"/>
+                        <a:t>В деталях рассказано здесь:</a:t>
+                      </a:r>
+                      <a:br>
+                        <a:rPr lang="ru-RU" baseline="0" dirty="0"/>
+                      </a:br>
+                      <a:r>
+                        <a:rPr lang="en-US" baseline="0" dirty="0">
+                          <a:hlinkClick r:id="rId3"/>
+                        </a:rPr>
+                        <a:t>https://algs4.cs.princeton.edu/33balanced/</a:t>
+                      </a:r>
+                      <a:endParaRPr lang="en-US" baseline="0" dirty="0"/>
+                    </a:p>
+                    <a:p>
+                      <a:r>
+                        <a:rPr lang="ru-RU" baseline="0" dirty="0" smtClean="0"/>
+                        <a:t>Поиграться с </a:t>
+                      </a:r>
+                      <a:r>
+                        <a:rPr lang="en-US" baseline="0" dirty="0" err="1" smtClean="0"/>
+                        <a:t>rbtree</a:t>
+                      </a:r>
+                      <a:r>
+                        <a:rPr lang="en-US" baseline="0" dirty="0" smtClean="0"/>
+                        <a:t> </a:t>
+                      </a:r>
+                      <a:r>
+                        <a:rPr lang="ru-RU" baseline="0" dirty="0" smtClean="0"/>
+                        <a:t>можно здесь:</a:t>
+                      </a:r>
+                      <a:endParaRPr lang="en-US" baseline="0" dirty="0" smtClean="0"/>
+                    </a:p>
+                    <a:p>
+                      <a:r>
+                        <a:rPr lang="en-US" baseline="0" dirty="0" smtClean="0">
+                          <a:hlinkClick r:id="rId4"/>
+                        </a:rPr>
+                        <a:t>https://www.cs.usfca.edu/~galles/visualization/RedBlack.html</a:t>
+                      </a:r>
+                      <a:r>
+                        <a:rPr lang="en-US" baseline="0" dirty="0" smtClean="0"/>
+                        <a:t> </a:t>
+                      </a:r>
+                    </a:p>
+                  </a:txBody>
+                  <a:tcPr/>
+                </a:tc>
+                <a:extLst>
+                  <a:ext uri="{0D108BD9-81ED-4DB2-BD59-A6C34878D82A}">
+                    <a16:rowId xmlns:a16="http://schemas.microsoft.com/office/drawing/2014/main" val="10001"/>
+                  </a:ext>
+                </a:extLst>
+              </a:tr>
+            </a:tbl>
+          </a:graphicData>
+        </a:graphic>
+      </p:graphicFrame>
+      <p:graphicFrame>
+        <p:nvGraphicFramePr>
+          <p:cNvPr id="3" name="Table 2"/>
+          <p:cNvGraphicFramePr>
+            <a:graphicFrameLocks noGrp="1"/>
+          </p:cNvGraphicFramePr>
+          <p:nvPr>
+            <p:extLst/>
+          </p:nvPr>
+        </p:nvGraphicFramePr>
+        <p:xfrm>
+          <a:off x="3561854" y="1369948"/>
+          <a:ext cx="683047" cy="365760"/>
+        </p:xfrm>
+        <a:graphic>
+          <a:graphicData uri="http://schemas.openxmlformats.org/drawingml/2006/table">
+            <a:tbl>
+              <a:tblPr firstRow="1" bandRow="1">
+                <a:tableStyleId>{5C22544A-7EE6-4342-B048-85BDC9FD1C3A}</a:tableStyleId>
+              </a:tblPr>
+              <a:tblGrid>
+                <a:gridCol w="683047">
+                  <a:extLst>
+                    <a:ext uri="{9D8B030D-6E8A-4147-A177-3AD203B41FA5}">
+                      <a16:colId xmlns:a16="http://schemas.microsoft.com/office/drawing/2014/main" val="20000"/>
+                    </a:ext>
+                  </a:extLst>
+                </a:gridCol>
+              </a:tblGrid>
+              <a:tr h="359930">
+                <a:tc>
+                  <a:txBody>
+                    <a:bodyPr/>
+                    <a:lstStyle/>
+                    <a:p>
+                      <a:pPr algn="ctr"/>
+                      <a:r>
+                        <a:rPr lang="en-US" dirty="0"/>
+                        <a:t>A   B</a:t>
+                      </a:r>
+                    </a:p>
+                  </a:txBody>
+                  <a:tcPr/>
+                </a:tc>
+                <a:extLst>
+                  <a:ext uri="{0D108BD9-81ED-4DB2-BD59-A6C34878D82A}">
+                    <a16:rowId xmlns:a16="http://schemas.microsoft.com/office/drawing/2014/main" val="10000"/>
+                  </a:ext>
+                </a:extLst>
+              </a:tr>
+            </a:tbl>
+          </a:graphicData>
+        </a:graphic>
+      </p:graphicFrame>
+      <p:sp>
+        <p:nvSpPr>
+          <p:cNvPr id="12" name="Triangle 11"/>
+          <p:cNvSpPr/>
+          <p:nvPr/>
+        </p:nvSpPr>
+        <p:spPr>
+          <a:xfrm>
+            <a:off x="730548" y="2231467"/>
+            <a:ext cx="2031800" cy="1167788"/>
+          </a:xfrm>
+          <a:prstGeom prst="triangle">
+            <a:avLst/>
+          </a:prstGeom>
+        </p:spPr>
+        <p:style>
+          <a:lnRef idx="2">
+            <a:schemeClr val="accent1">
+              <a:shade val="50000"/>
+            </a:schemeClr>
+          </a:lnRef>
+          <a:fillRef idx="1">
+            <a:schemeClr val="accent1"/>
+          </a:fillRef>
+          <a:effectRef idx="0">
+            <a:schemeClr val="accent1"/>
+          </a:effectRef>
+          <a:fontRef idx="minor">
+            <a:schemeClr val="lt1"/>
+          </a:fontRef>
+        </p:style>
+        <p:txBody>
+          <a:bodyPr rtlCol="0" anchor="ctr"/>
+          <a:lstStyle/>
+          <a:p>
+            <a:pPr algn="ctr"/>
+            <a:r>
+              <a:rPr lang="ru-RU" dirty="0"/>
+              <a:t>Меньше </a:t>
+            </a:r>
+            <a:r>
+              <a:rPr lang="en-US" dirty="0"/>
+              <a:t>A</a:t>
+            </a:r>
+          </a:p>
+        </p:txBody>
+      </p:sp>
+      <p:sp>
+        <p:nvSpPr>
+          <p:cNvPr id="13" name="Triangle 12"/>
+          <p:cNvSpPr/>
+          <p:nvPr/>
+        </p:nvSpPr>
+        <p:spPr>
+          <a:xfrm>
+            <a:off x="2902467" y="2231467"/>
+            <a:ext cx="2031800" cy="1167788"/>
+          </a:xfrm>
+          <a:prstGeom prst="triangle">
+            <a:avLst/>
+          </a:prstGeom>
+        </p:spPr>
+        <p:style>
+          <a:lnRef idx="2">
+            <a:schemeClr val="accent1">
+              <a:shade val="50000"/>
+            </a:schemeClr>
+          </a:lnRef>
+          <a:fillRef idx="1">
+            <a:schemeClr val="accent1"/>
+          </a:fillRef>
+          <a:effectRef idx="0">
+            <a:schemeClr val="accent1"/>
+          </a:effectRef>
+          <a:fontRef idx="minor">
+            <a:schemeClr val="lt1"/>
+          </a:fontRef>
+        </p:style>
+        <p:txBody>
+          <a:bodyPr rtlCol="0" anchor="ctr"/>
+          <a:lstStyle/>
+          <a:p>
+            <a:pPr algn="ctr"/>
+            <a:r>
+              <a:rPr lang="ru-RU" dirty="0"/>
+              <a:t>Между </a:t>
+            </a:r>
+            <a:r>
+              <a:rPr lang="en-US" dirty="0"/>
+              <a:t>A </a:t>
+            </a:r>
+            <a:r>
+              <a:rPr lang="ru-RU" dirty="0"/>
+              <a:t>и </a:t>
+            </a:r>
+            <a:r>
+              <a:rPr lang="en-US" dirty="0"/>
+              <a:t>B</a:t>
+            </a:r>
+          </a:p>
+        </p:txBody>
+      </p:sp>
+      <p:sp>
+        <p:nvSpPr>
+          <p:cNvPr id="14" name="Triangle 13"/>
+          <p:cNvSpPr/>
+          <p:nvPr/>
+        </p:nvSpPr>
+        <p:spPr>
+          <a:xfrm>
+            <a:off x="5059396" y="2231467"/>
+            <a:ext cx="2031800" cy="1167788"/>
+          </a:xfrm>
+          <a:prstGeom prst="triangle">
+            <a:avLst/>
+          </a:prstGeom>
+        </p:spPr>
+        <p:style>
+          <a:lnRef idx="2">
+            <a:schemeClr val="accent1">
+              <a:shade val="50000"/>
+            </a:schemeClr>
+          </a:lnRef>
+          <a:fillRef idx="1">
+            <a:schemeClr val="accent1"/>
+          </a:fillRef>
+          <a:effectRef idx="0">
+            <a:schemeClr val="accent1"/>
+          </a:effectRef>
+          <a:fontRef idx="minor">
+            <a:schemeClr val="lt1"/>
+          </a:fontRef>
+        </p:style>
+        <p:txBody>
+          <a:bodyPr rtlCol="0" anchor="ctr"/>
+          <a:lstStyle/>
+          <a:p>
+            <a:pPr algn="ctr"/>
+            <a:r>
+              <a:rPr lang="ru-RU" dirty="0"/>
+              <a:t>Больше</a:t>
+            </a:r>
+            <a:r>
+              <a:rPr lang="en-US" dirty="0"/>
+              <a:t>B</a:t>
+            </a:r>
+          </a:p>
+        </p:txBody>
+      </p:sp>
+      <p:cxnSp>
+        <p:nvCxnSpPr>
+          <p:cNvPr id="20" name="Straight Arrow Connector 19"/>
+          <p:cNvCxnSpPr/>
+          <p:nvPr/>
+        </p:nvCxnSpPr>
+        <p:spPr>
+          <a:xfrm flipH="1">
+            <a:off x="1731458" y="1731627"/>
+            <a:ext cx="1830395" cy="499840"/>
+          </a:xfrm>
+          <a:prstGeom prst="straightConnector1">
+            <a:avLst/>
+          </a:prstGeom>
+          <a:ln w="38100">
+            <a:tailEnd type="triangle"/>
+          </a:ln>
+        </p:spPr>
+        <p:style>
+          <a:lnRef idx="1">
+            <a:schemeClr val="accent1"/>
+          </a:lnRef>
+          <a:fillRef idx="0">
+            <a:schemeClr val="accent1"/>
+          </a:fillRef>
+          <a:effectRef idx="0">
+            <a:schemeClr val="accent1"/>
+          </a:effectRef>
+          <a:fontRef idx="minor">
+            <a:schemeClr val="tx1"/>
+          </a:fontRef>
+        </p:style>
+      </p:cxnSp>
+      <p:cxnSp>
+        <p:nvCxnSpPr>
+          <p:cNvPr id="22" name="Straight Arrow Connector 21"/>
+          <p:cNvCxnSpPr/>
+          <p:nvPr/>
+        </p:nvCxnSpPr>
+        <p:spPr>
+          <a:xfrm>
+            <a:off x="3903377" y="1731627"/>
+            <a:ext cx="0" cy="499840"/>
+          </a:xfrm>
+          <a:prstGeom prst="straightConnector1">
+            <a:avLst/>
+          </a:prstGeom>
+          <a:ln w="38100">
+            <a:tailEnd type="triangle"/>
+          </a:ln>
+        </p:spPr>
+        <p:style>
+          <a:lnRef idx="1">
+            <a:schemeClr val="accent1"/>
+          </a:lnRef>
+          <a:fillRef idx="0">
+            <a:schemeClr val="accent1"/>
+          </a:fillRef>
+          <a:effectRef idx="0">
+            <a:schemeClr val="accent1"/>
+          </a:effectRef>
+          <a:fontRef idx="minor">
+            <a:schemeClr val="tx1"/>
+          </a:fontRef>
+        </p:style>
+      </p:cxnSp>
+      <p:cxnSp>
+        <p:nvCxnSpPr>
+          <p:cNvPr id="24" name="Straight Arrow Connector 23"/>
+          <p:cNvCxnSpPr>
+            <a:endCxn id="14" idx="0"/>
+          </p:cNvCxnSpPr>
+          <p:nvPr/>
+        </p:nvCxnSpPr>
+        <p:spPr>
+          <a:xfrm>
+            <a:off x="4244901" y="1731627"/>
+            <a:ext cx="1830395" cy="499840"/>
+          </a:xfrm>
+          <a:prstGeom prst="straightConnector1">
+            <a:avLst/>
+          </a:prstGeom>
+          <a:ln w="38100">
+            <a:tailEnd type="triangle"/>
+          </a:ln>
+        </p:spPr>
+        <p:style>
+          <a:lnRef idx="1">
+            <a:schemeClr val="accent1"/>
+          </a:lnRef>
+          <a:fillRef idx="0">
+            <a:schemeClr val="accent1"/>
+          </a:fillRef>
+          <a:effectRef idx="0">
+            <a:schemeClr val="accent1"/>
+          </a:effectRef>
+          <a:fontRef idx="minor">
+            <a:schemeClr val="tx1"/>
+          </a:fontRef>
+        </p:style>
+      </p:cxnSp>
+      <p:graphicFrame>
+        <p:nvGraphicFramePr>
           <p:cNvPr id="17" name="Table 16"/>
           <p:cNvGraphicFramePr>
             <a:graphicFrameLocks noGrp="1"/>
@@ -13276,13 +14164,13 @@
           <p:nvPr>
             <p:extLst>
               <p:ext uri="{D42A27DB-BD31-4B8C-83A1-F6EECF244321}">
-                <p14:modId xmlns:p14="http://schemas.microsoft.com/office/powerpoint/2010/main" val="140452019"/>
+                <p14:modId xmlns:p14="http://schemas.microsoft.com/office/powerpoint/2010/main" val="1411883653"/>
               </p:ext>
             </p:extLst>
           </p:nvPr>
         </p:nvGraphicFramePr>
         <p:xfrm>
-          <a:off x="3561854" y="3748214"/>
+          <a:off x="3903376" y="4313560"/>
           <a:ext cx="683047" cy="365760"/>
         </p:xfrm>
         <a:graphic>
@@ -13435,7 +14323,7 @@
         </p:nvSpPr>
         <p:spPr>
           <a:xfrm>
-            <a:off x="5059396" y="4609733"/>
+            <a:off x="5074386" y="5039492"/>
             <a:ext cx="2031800" cy="1167788"/>
           </a:xfrm>
           <a:prstGeom prst="triangle">
@@ -13477,13 +14365,16 @@
       <p:cxnSp>
         <p:nvCxnSpPr>
           <p:cNvPr id="27" name="Straight Arrow Connector 26"/>
-          <p:cNvCxnSpPr/>
+          <p:cNvCxnSpPr>
+            <a:stCxn id="17" idx="3"/>
+            <a:endCxn id="23" idx="0"/>
+          </p:cNvCxnSpPr>
           <p:nvPr/>
         </p:nvCxnSpPr>
         <p:spPr>
           <a:xfrm>
-            <a:off x="4244901" y="4109893"/>
-            <a:ext cx="1830395" cy="499840"/>
+            <a:off x="4586423" y="4496440"/>
+            <a:ext cx="1503863" cy="543052"/>
           </a:xfrm>
           <a:prstGeom prst="straightConnector1">
             <a:avLst/>
@@ -13517,11 +14408,7 @@
             <a:graphicFrameLocks noGrp="1"/>
           </p:cNvGraphicFramePr>
           <p:nvPr>
-            <p:extLst>
-              <p:ext uri="{D42A27DB-BD31-4B8C-83A1-F6EECF244321}">
-                <p14:modId xmlns:p14="http://schemas.microsoft.com/office/powerpoint/2010/main" val="492555280"/>
-              </p:ext>
-            </p:extLst>
+            <p:extLst/>
           </p:nvPr>
         </p:nvGraphicFramePr>
         <p:xfrm>
@@ -13644,14 +14531,14 @@
         <p:nvCxnSpPr>
           <p:cNvPr id="30" name="Straight Arrow Connector 29"/>
           <p:cNvCxnSpPr>
-            <a:endCxn id="28" idx="0"/>
+            <a:stCxn id="17" idx="1"/>
           </p:cNvCxnSpPr>
           <p:nvPr/>
         </p:nvCxnSpPr>
         <p:spPr>
           <a:xfrm flipH="1">
-            <a:off x="2819011" y="4097173"/>
-            <a:ext cx="742842" cy="210799"/>
+            <a:off x="3130639" y="4496440"/>
+            <a:ext cx="772737" cy="5991"/>
           </a:xfrm>
           <a:prstGeom prst="straightConnector1">
             <a:avLst/>
@@ -13681,7 +14568,7 @@
     </p:spTree>
     <p:extLst>
       <p:ext uri="{BB962C8B-B14F-4D97-AF65-F5344CB8AC3E}">
-        <p14:creationId xmlns:p14="http://schemas.microsoft.com/office/powerpoint/2010/main" val="1406963544"/>
+        <p14:creationId xmlns:p14="http://schemas.microsoft.com/office/powerpoint/2010/main" val="1964383814"/>
       </p:ext>
     </p:extLst>
   </p:cSld>
@@ -13691,7 +14578,7 @@
 </p:sld>
 </file>
 
-<file path=ppt/slides/slide12.xml><?xml version="1.0" encoding="utf-8"?>
+<file path=ppt/slides/slide13.xml><?xml version="1.0" encoding="utf-8"?>
 <p:sld xmlns:a="http://schemas.openxmlformats.org/drawingml/2006/main" xmlns:r="http://schemas.openxmlformats.org/officeDocument/2006/relationships" xmlns:p="http://schemas.openxmlformats.org/presentationml/2006/main">
   <p:cSld>
     <p:spTree>
@@ -15231,6 +16118,10 @@
               <a:rPr lang="en-US" dirty="0"/>
               <a:t>),</a:t>
             </a:r>
+            <a:r>
+              <a:rPr lang="ru-RU" dirty="0"/>
+              <a:t/>
+            </a:r>
             <a:br>
               <a:rPr lang="ru-RU" dirty="0"/>
             </a:br>
@@ -15342,6 +16233,10 @@
             <a:r>
               <a:rPr lang="ru-RU" dirty="0"/>
               <a:t>ссылается на поддерево с ключами</a:t>
+            </a:r>
+            <a:r>
+              <a:rPr lang="en-US" dirty="0"/>
+              <a:t/>
             </a:r>
             <a:br>
               <a:rPr lang="en-US" dirty="0"/>
@@ -15442,7 +16337,7 @@
 </p:sld>
 </file>
 
-<file path=ppt/slides/slide13.xml><?xml version="1.0" encoding="utf-8"?>
+<file path=ppt/slides/slide14.xml><?xml version="1.0" encoding="utf-8"?>
 <p:sld xmlns:a="http://schemas.openxmlformats.org/drawingml/2006/main" xmlns:r="http://schemas.openxmlformats.org/officeDocument/2006/relationships" xmlns:p="http://schemas.openxmlformats.org/presentationml/2006/main">
   <p:cSld>
     <p:spTree>
@@ -17100,6 +17995,10 @@
               <a:rPr lang="ru-RU" dirty="0"/>
               <a:t>ссылается на поддерево с ключами</a:t>
             </a:r>
+            <a:r>
+              <a:rPr lang="en-US" dirty="0"/>
+              <a:t/>
+            </a:r>
             <a:br>
               <a:rPr lang="en-US" dirty="0"/>
             </a:br>
@@ -17199,7 +18098,7 @@
 </p:sld>
 </file>
 
-<file path=ppt/slides/slide14.xml><?xml version="1.0" encoding="utf-8"?>
+<file path=ppt/slides/slide15.xml><?xml version="1.0" encoding="utf-8"?>
 <p:sld xmlns:a="http://schemas.openxmlformats.org/drawingml/2006/main" xmlns:r="http://schemas.openxmlformats.org/officeDocument/2006/relationships" xmlns:p="http://schemas.openxmlformats.org/presentationml/2006/main">
   <p:cSld>
     <p:spTree>
@@ -19083,7 +19982,7 @@
 </p:sld>
 </file>
 
-<file path=ppt/slides/slide15.xml><?xml version="1.0" encoding="utf-8"?>
+<file path=ppt/slides/slide16.xml><?xml version="1.0" encoding="utf-8"?>
 <p:sld xmlns:a="http://schemas.openxmlformats.org/drawingml/2006/main" xmlns:r="http://schemas.openxmlformats.org/officeDocument/2006/relationships" xmlns:p="http://schemas.openxmlformats.org/presentationml/2006/main">
   <p:cSld>
     <p:spTree>
@@ -19461,7 +20360,7 @@
 </p:sld>
 </file>
 
-<file path=ppt/slides/slide16.xml><?xml version="1.0" encoding="utf-8"?>
+<file path=ppt/slides/slide17.xml><?xml version="1.0" encoding="utf-8"?>
 <p:sld xmlns:a="http://schemas.openxmlformats.org/drawingml/2006/main" xmlns:r="http://schemas.openxmlformats.org/officeDocument/2006/relationships" xmlns:p="http://schemas.openxmlformats.org/presentationml/2006/main">
   <p:cSld>
     <p:spTree>
@@ -20278,7 +21177,7 @@
 </p:sld>
 </file>
 
-<file path=ppt/slides/slide17.xml><?xml version="1.0" encoding="utf-8"?>
+<file path=ppt/slides/slide18.xml><?xml version="1.0" encoding="utf-8"?>
 <p:sld xmlns:a="http://schemas.openxmlformats.org/drawingml/2006/main" xmlns:r="http://schemas.openxmlformats.org/officeDocument/2006/relationships" xmlns:p="http://schemas.openxmlformats.org/presentationml/2006/main">
   <p:cSld>
     <p:spTree>
@@ -20551,6 +21450,10 @@
                       <a:br>
                         <a:rPr lang="ru-RU" baseline="0" dirty="0"/>
                       </a:br>
+                      <a:r>
+                        <a:rPr lang="ru-RU" baseline="0" dirty="0"/>
+                        <a:t/>
+                      </a:r>
                       <a:br>
                         <a:rPr lang="ru-RU" baseline="0" dirty="0"/>
                       </a:br>
@@ -20875,7 +21778,7 @@
 </p:sld>
 </file>
 
-<file path=ppt/slides/slide18.xml><?xml version="1.0" encoding="utf-8"?>
+<file path=ppt/slides/slide19.xml><?xml version="1.0" encoding="utf-8"?>
 <p:sld xmlns:a="http://schemas.openxmlformats.org/drawingml/2006/main" xmlns:r="http://schemas.openxmlformats.org/officeDocument/2006/relationships" xmlns:p="http://schemas.openxmlformats.org/presentationml/2006/main">
   <p:cSld>
     <p:spTree>
@@ -21148,6 +22051,10 @@
                       <a:br>
                         <a:rPr lang="ru-RU" baseline="0" dirty="0"/>
                       </a:br>
+                      <a:r>
+                        <a:rPr lang="ru-RU" baseline="0" dirty="0"/>
+                        <a:t/>
+                      </a:r>
                       <a:br>
                         <a:rPr lang="ru-RU" baseline="0" dirty="0"/>
                       </a:br>
@@ -21488,345 +22395,6 @@
     <p:extLst>
       <p:ext uri="{BB962C8B-B14F-4D97-AF65-F5344CB8AC3E}">
         <p14:creationId xmlns:p14="http://schemas.microsoft.com/office/powerpoint/2010/main" val="947121659"/>
-      </p:ext>
-    </p:extLst>
-  </p:cSld>
-  <p:clrMapOvr>
-    <a:masterClrMapping/>
-  </p:clrMapOvr>
-</p:sld>
-</file>
-
-<file path=ppt/slides/slide19.xml><?xml version="1.0" encoding="utf-8"?>
-<p:sld xmlns:a="http://schemas.openxmlformats.org/drawingml/2006/main" xmlns:r="http://schemas.openxmlformats.org/officeDocument/2006/relationships" xmlns:p="http://schemas.openxmlformats.org/presentationml/2006/main">
-  <p:cSld>
-    <p:spTree>
-      <p:nvGrpSpPr>
-        <p:cNvPr id="1" name=""/>
-        <p:cNvGrpSpPr/>
-        <p:nvPr/>
-      </p:nvGrpSpPr>
-      <p:grpSpPr>
-        <a:xfrm>
-          <a:off x="0" y="0"/>
-          <a:ext cx="0" cy="0"/>
-          <a:chOff x="0" y="0"/>
-          <a:chExt cx="0" cy="0"/>
-        </a:xfrm>
-      </p:grpSpPr>
-      <p:graphicFrame>
-        <p:nvGraphicFramePr>
-          <p:cNvPr id="5" name="Table 4"/>
-          <p:cNvGraphicFramePr>
-            <a:graphicFrameLocks noGrp="1"/>
-          </p:cNvGraphicFramePr>
-          <p:nvPr>
-            <p:extLst>
-              <p:ext uri="{D42A27DB-BD31-4B8C-83A1-F6EECF244321}">
-                <p14:modId xmlns:p14="http://schemas.microsoft.com/office/powerpoint/2010/main" val="2281224332"/>
-              </p:ext>
-            </p:extLst>
-          </p:nvPr>
-        </p:nvGraphicFramePr>
-        <p:xfrm>
-          <a:off x="0" y="1"/>
-          <a:ext cx="12192000" cy="365760"/>
-        </p:xfrm>
-        <a:graphic>
-          <a:graphicData uri="http://schemas.openxmlformats.org/drawingml/2006/table">
-            <a:tbl>
-              <a:tblPr firstRow="1" bandRow="1">
-                <a:tableStyleId>{5C22544A-7EE6-4342-B048-85BDC9FD1C3A}</a:tableStyleId>
-              </a:tblPr>
-              <a:tblGrid>
-                <a:gridCol w="12192000">
-                  <a:extLst>
-                    <a:ext uri="{9D8B030D-6E8A-4147-A177-3AD203B41FA5}">
-                      <a16:colId xmlns:a16="http://schemas.microsoft.com/office/drawing/2014/main" val="20000"/>
-                    </a:ext>
-                  </a:extLst>
-                </a:gridCol>
-              </a:tblGrid>
-              <a:tr h="321276">
-                <a:tc>
-                  <a:txBody>
-                    <a:bodyPr/>
-                    <a:lstStyle/>
-                    <a:p>
-                      <a:r>
-                        <a:rPr lang="ru-RU" dirty="0"/>
-                        <a:t>Основы</a:t>
-                      </a:r>
-                      <a:r>
-                        <a:rPr lang="ru-RU" baseline="0" dirty="0"/>
-                        <a:t> построения файловых систем</a:t>
-                      </a:r>
-                      <a:endParaRPr lang="ru-RU" dirty="0"/>
-                    </a:p>
-                  </a:txBody>
-                  <a:tcPr/>
-                </a:tc>
-                <a:extLst>
-                  <a:ext uri="{0D108BD9-81ED-4DB2-BD59-A6C34878D82A}">
-                    <a16:rowId xmlns:a16="http://schemas.microsoft.com/office/drawing/2014/main" val="10000"/>
-                  </a:ext>
-                </a:extLst>
-              </a:tr>
-            </a:tbl>
-          </a:graphicData>
-        </a:graphic>
-      </p:graphicFrame>
-      <p:graphicFrame>
-        <p:nvGraphicFramePr>
-          <p:cNvPr id="6" name="Table 5"/>
-          <p:cNvGraphicFramePr>
-            <a:graphicFrameLocks noGrp="1"/>
-          </p:cNvGraphicFramePr>
-          <p:nvPr>
-            <p:extLst>
-              <p:ext uri="{D42A27DB-BD31-4B8C-83A1-F6EECF244321}">
-                <p14:modId xmlns:p14="http://schemas.microsoft.com/office/powerpoint/2010/main" val="4164474727"/>
-              </p:ext>
-            </p:extLst>
-          </p:nvPr>
-        </p:nvGraphicFramePr>
-        <p:xfrm>
-          <a:off x="0" y="6532604"/>
-          <a:ext cx="12192000" cy="365760"/>
-        </p:xfrm>
-        <a:graphic>
-          <a:graphicData uri="http://schemas.openxmlformats.org/drawingml/2006/table">
-            <a:tbl>
-              <a:tblPr firstRow="1" bandRow="1">
-                <a:tableStyleId>{5C22544A-7EE6-4342-B048-85BDC9FD1C3A}</a:tableStyleId>
-              </a:tblPr>
-              <a:tblGrid>
-                <a:gridCol w="12192000">
-                  <a:extLst>
-                    <a:ext uri="{9D8B030D-6E8A-4147-A177-3AD203B41FA5}">
-                      <a16:colId xmlns:a16="http://schemas.microsoft.com/office/drawing/2014/main" val="20000"/>
-                    </a:ext>
-                  </a:extLst>
-                </a:gridCol>
-              </a:tblGrid>
-              <a:tr h="308094">
-                <a:tc>
-                  <a:txBody>
-                    <a:bodyPr/>
-                    <a:lstStyle/>
-                    <a:p>
-                      <a:r>
-                        <a:rPr lang="en-US" dirty="0"/>
-                        <a:t>Acronis @ </a:t>
-                      </a:r>
-                      <a:r>
-                        <a:rPr lang="ru-RU" dirty="0"/>
-                        <a:t>МФТИ</a:t>
-                      </a:r>
-                    </a:p>
-                  </a:txBody>
-                  <a:tcPr/>
-                </a:tc>
-                <a:extLst>
-                  <a:ext uri="{0D108BD9-81ED-4DB2-BD59-A6C34878D82A}">
-                    <a16:rowId xmlns:a16="http://schemas.microsoft.com/office/drawing/2014/main" val="10000"/>
-                  </a:ext>
-                </a:extLst>
-              </a:tr>
-            </a:tbl>
-          </a:graphicData>
-        </a:graphic>
-      </p:graphicFrame>
-      <p:graphicFrame>
-        <p:nvGraphicFramePr>
-          <p:cNvPr id="2" name="Table 1"/>
-          <p:cNvGraphicFramePr>
-            <a:graphicFrameLocks noGrp="1"/>
-          </p:cNvGraphicFramePr>
-          <p:nvPr>
-            <p:extLst>
-              <p:ext uri="{D42A27DB-BD31-4B8C-83A1-F6EECF244321}">
-                <p14:modId xmlns:p14="http://schemas.microsoft.com/office/powerpoint/2010/main" val="2056472195"/>
-              </p:ext>
-            </p:extLst>
-          </p:nvPr>
-        </p:nvGraphicFramePr>
-        <p:xfrm>
-          <a:off x="0" y="365761"/>
-          <a:ext cx="12192000" cy="2468880"/>
-        </p:xfrm>
-        <a:graphic>
-          <a:graphicData uri="http://schemas.openxmlformats.org/drawingml/2006/table">
-            <a:tbl>
-              <a:tblPr firstRow="1" bandRow="1">
-                <a:tableStyleId>{3B4B98B0-60AC-42C2-AFA5-B58CD77FA1E5}</a:tableStyleId>
-              </a:tblPr>
-              <a:tblGrid>
-                <a:gridCol w="12192000">
-                  <a:extLst>
-                    <a:ext uri="{9D8B030D-6E8A-4147-A177-3AD203B41FA5}">
-                      <a16:colId xmlns:a16="http://schemas.microsoft.com/office/drawing/2014/main" val="20000"/>
-                    </a:ext>
-                  </a:extLst>
-                </a:gridCol>
-              </a:tblGrid>
-              <a:tr h="370840">
-                <a:tc>
-                  <a:txBody>
-                    <a:bodyPr/>
-                    <a:lstStyle/>
-                    <a:p>
-                      <a:r>
-                        <a:rPr lang="en-US" sz="2400" dirty="0"/>
-                        <a:t>Bloom filters</a:t>
-                      </a:r>
-                      <a:endParaRPr lang="ru-RU" sz="2400" dirty="0"/>
-                    </a:p>
-                  </a:txBody>
-                  <a:tcPr/>
-                </a:tc>
-                <a:extLst>
-                  <a:ext uri="{0D108BD9-81ED-4DB2-BD59-A6C34878D82A}">
-                    <a16:rowId xmlns:a16="http://schemas.microsoft.com/office/drawing/2014/main" val="10000"/>
-                  </a:ext>
-                </a:extLst>
-              </a:tr>
-              <a:tr h="370840">
-                <a:tc>
-                  <a:txBody>
-                    <a:bodyPr/>
-                    <a:lstStyle/>
-                    <a:p>
-                      <a:pPr marL="0" indent="0">
-                        <a:buFont typeface="+mj-lt"/>
-                        <a:buNone/>
-                      </a:pPr>
-                      <a:r>
-                        <a:rPr lang="ru-RU" baseline="0" dirty="0"/>
-                        <a:t>Поиск</a:t>
-                      </a:r>
-                      <a:r>
-                        <a:rPr lang="en-US" baseline="0" dirty="0"/>
-                        <a:t> </a:t>
-                      </a:r>
-                      <a:r>
-                        <a:rPr lang="ru-RU" baseline="0" dirty="0"/>
-                        <a:t>в </a:t>
-                      </a:r>
-                      <a:r>
-                        <a:rPr lang="en-US" baseline="0" dirty="0"/>
-                        <a:t>LSM-</a:t>
-                      </a:r>
-                      <a:r>
-                        <a:rPr lang="ru-RU" baseline="0" dirty="0"/>
-                        <a:t>дереве приходится реализовывать как несколько поисков по его составляющим разных уровней.</a:t>
-                      </a:r>
-                    </a:p>
-                    <a:p>
-                      <a:pPr marL="0" indent="0">
-                        <a:buFont typeface="+mj-lt"/>
-                        <a:buNone/>
-                      </a:pPr>
-                      <a:endParaRPr lang="ru-RU" baseline="0" dirty="0"/>
-                    </a:p>
-                    <a:p>
-                      <a:pPr marL="0" indent="0">
-                        <a:buFont typeface="Arial" charset="0"/>
-                        <a:buNone/>
-                      </a:pPr>
-                      <a:r>
-                        <a:rPr lang="ru-RU" baseline="0" dirty="0"/>
-                        <a:t>Можно избежать поиска во многих деревьях </a:t>
-                      </a:r>
-                      <a:r>
-                        <a:rPr lang="en-US" baseline="0" dirty="0" err="1"/>
-                        <a:t>T</a:t>
-                      </a:r>
-                      <a:r>
-                        <a:rPr lang="en-US" baseline="-25000" dirty="0" err="1"/>
-                        <a:t>i</a:t>
-                      </a:r>
-                      <a:r>
-                        <a:rPr lang="ru-RU" baseline="0" dirty="0"/>
-                        <a:t>, если научиться быстро определять, что искомого ключа в </a:t>
-                      </a:r>
-                      <a:r>
-                        <a:rPr lang="en-US" baseline="0" dirty="0" err="1"/>
-                        <a:t>T</a:t>
-                      </a:r>
-                      <a:r>
-                        <a:rPr lang="en-US" baseline="-25000" dirty="0" err="1"/>
-                        <a:t>i</a:t>
-                      </a:r>
-                      <a:r>
-                        <a:rPr lang="en-US" baseline="0" dirty="0"/>
-                        <a:t> </a:t>
-                      </a:r>
-                      <a:r>
-                        <a:rPr lang="ru-RU" baseline="0" dirty="0"/>
-                        <a:t>не</a:t>
-                      </a:r>
-                      <a:br>
-                        <a:rPr lang="ru-RU" baseline="0" dirty="0"/>
-                      </a:br>
-                      <a:r>
-                        <a:rPr lang="ru-RU" baseline="0" dirty="0"/>
-                        <a:t>содержится.  Это делает фильтр </a:t>
-                      </a:r>
-                      <a:r>
-                        <a:rPr lang="ru-RU" baseline="0" dirty="0" err="1"/>
-                        <a:t>Блума</a:t>
-                      </a:r>
-                      <a:r>
-                        <a:rPr lang="ru-RU" baseline="0" dirty="0"/>
-                        <a:t>, вероятностная структура данных, которая по множеству и ключу может</a:t>
-                      </a:r>
-                      <a:br>
-                        <a:rPr lang="ru-RU" baseline="0" dirty="0"/>
-                      </a:br>
-                      <a:r>
-                        <a:rPr lang="ru-RU" baseline="0" dirty="0"/>
-                        <a:t>выдавать ответы</a:t>
-                      </a:r>
-                    </a:p>
-                    <a:p>
-                      <a:pPr marL="285750" indent="-285750">
-                        <a:buFont typeface="Arial" charset="0"/>
-                        <a:buChar char="•"/>
-                      </a:pPr>
-                      <a:r>
-                        <a:rPr lang="ru-RU" baseline="0" dirty="0"/>
-                        <a:t>элемента в множестве нет,</a:t>
-                      </a:r>
-                    </a:p>
-                    <a:p>
-                      <a:pPr marL="285750" indent="-285750">
-                        <a:buFont typeface="Arial" charset="0"/>
-                        <a:buChar char="•"/>
-                      </a:pPr>
-                      <a:r>
-                        <a:rPr lang="ru-RU" baseline="0" dirty="0"/>
-                        <a:t>элемент в множестве может присутствовать.</a:t>
-                      </a:r>
-                      <a:endParaRPr lang="en-US" baseline="0" dirty="0"/>
-                    </a:p>
-                  </a:txBody>
-                  <a:tcPr/>
-                </a:tc>
-                <a:extLst>
-                  <a:ext uri="{0D108BD9-81ED-4DB2-BD59-A6C34878D82A}">
-                    <a16:rowId xmlns:a16="http://schemas.microsoft.com/office/drawing/2014/main" val="10001"/>
-                  </a:ext>
-                </a:extLst>
-              </a:tr>
-            </a:tbl>
-          </a:graphicData>
-        </a:graphic>
-      </p:graphicFrame>
-    </p:spTree>
-    <p:extLst>
-      <p:ext uri="{BB962C8B-B14F-4D97-AF65-F5344CB8AC3E}">
-        <p14:creationId xmlns:p14="http://schemas.microsoft.com/office/powerpoint/2010/main" val="1183185031"/>
       </p:ext>
     </p:extLst>
   </p:cSld>
@@ -22207,14 +22775,14 @@
           <p:nvPr>
             <p:extLst>
               <p:ext uri="{D42A27DB-BD31-4B8C-83A1-F6EECF244321}">
-                <p14:modId xmlns:p14="http://schemas.microsoft.com/office/powerpoint/2010/main" val="5560404"/>
+                <p14:modId xmlns:p14="http://schemas.microsoft.com/office/powerpoint/2010/main" val="2056472195"/>
               </p:ext>
             </p:extLst>
           </p:nvPr>
         </p:nvGraphicFramePr>
         <p:xfrm>
           <a:off x="0" y="365761"/>
-          <a:ext cx="12192000" cy="5303520"/>
+          <a:ext cx="12192000" cy="2468880"/>
         </p:xfrm>
         <a:graphic>
           <a:graphicData uri="http://schemas.openxmlformats.org/drawingml/2006/table">
@@ -22380,304 +22948,6 @@
                   </a:ext>
                 </a:extLst>
               </a:tr>
-              <a:tr h="370840">
-                <a:tc>
-                  <a:txBody>
-                    <a:bodyPr/>
-                    <a:lstStyle/>
-                    <a:p>
-                      <a:pPr marL="0" indent="0">
-                        <a:buFont typeface="Arial" charset="0"/>
-                        <a:buNone/>
-                      </a:pPr>
-                      <a:r>
-                        <a:rPr lang="ru-RU" baseline="0" dirty="0"/>
-                        <a:t>Конструкция фильтра </a:t>
-                      </a:r>
-                      <a:r>
-                        <a:rPr lang="ru-RU" baseline="0" dirty="0" err="1"/>
-                        <a:t>Блума</a:t>
-                      </a:r>
-                      <a:r>
-                        <a:rPr lang="ru-RU" baseline="0" dirty="0"/>
-                        <a:t>: пусть имеется битовый массив длиной </a:t>
-                      </a:r>
-                      <a:r>
-                        <a:rPr lang="en-US" b="1" baseline="0" dirty="0"/>
-                        <a:t>m</a:t>
-                      </a:r>
-                      <a:r>
-                        <a:rPr lang="en-US" baseline="0" dirty="0"/>
-                        <a:t> </a:t>
-                      </a:r>
-                      <a:r>
-                        <a:rPr lang="ru-RU" baseline="0" dirty="0"/>
-                        <a:t>и </a:t>
-                      </a:r>
-                      <a:r>
-                        <a:rPr lang="en-US" b="1" baseline="0" dirty="0"/>
-                        <a:t>k</a:t>
-                      </a:r>
-                      <a:r>
-                        <a:rPr lang="en-US" baseline="0" dirty="0"/>
-                        <a:t> </a:t>
-                      </a:r>
-                      <a:r>
-                        <a:rPr lang="ru-RU" baseline="0" dirty="0"/>
-                        <a:t>независимых хеш-функций</a:t>
-                      </a:r>
-                      <a:r>
-                        <a:rPr lang="en-US" baseline="0" dirty="0"/>
-                        <a:t> </a:t>
-                      </a:r>
-                      <a:r>
-                        <a:rPr lang="en-US" b="1" baseline="0" dirty="0"/>
-                        <a:t>f</a:t>
-                      </a:r>
-                      <a:r>
-                        <a:rPr lang="en-US" b="1" baseline="-25000" dirty="0"/>
-                        <a:t>i</a:t>
-                      </a:r>
-                      <a:r>
-                        <a:rPr lang="ru-RU" baseline="0" dirty="0"/>
-                        <a:t>, принимающих значения в диапазоне </a:t>
-                      </a:r>
-                      <a:r>
-                        <a:rPr lang="en-US" baseline="0" dirty="0"/>
-                        <a:t>[0, m-1).</a:t>
-                      </a:r>
-                    </a:p>
-                    <a:p>
-                      <a:pPr marL="285750" indent="-285750">
-                        <a:buFont typeface="Arial" charset="0"/>
-                        <a:buChar char="•"/>
-                      </a:pPr>
-                      <a:r>
-                        <a:rPr lang="ru-RU" baseline="0" dirty="0"/>
-                        <a:t>При вставке элемента</a:t>
-                      </a:r>
-                      <a:r>
-                        <a:rPr lang="en-US" baseline="0" dirty="0"/>
-                        <a:t> </a:t>
-                      </a:r>
-                      <a:r>
-                        <a:rPr lang="en-US" b="1" baseline="0" dirty="0"/>
-                        <a:t>x</a:t>
-                      </a:r>
-                      <a:r>
-                        <a:rPr lang="en-US" baseline="0" dirty="0"/>
-                        <a:t> </a:t>
-                      </a:r>
-                      <a:r>
-                        <a:rPr lang="ru-RU" baseline="0" dirty="0"/>
-                        <a:t>установим в 1 биты, стоящие на местах </a:t>
-                      </a:r>
-                      <a:r>
-                        <a:rPr lang="en-US" baseline="0" dirty="0"/>
-                        <a:t>f</a:t>
-                      </a:r>
-                      <a:r>
-                        <a:rPr lang="en-US" baseline="-25000" dirty="0"/>
-                        <a:t>1</a:t>
-                      </a:r>
-                      <a:r>
-                        <a:rPr lang="en-US" baseline="0" dirty="0"/>
-                        <a:t>(x), f</a:t>
-                      </a:r>
-                      <a:r>
-                        <a:rPr lang="en-US" baseline="-25000" dirty="0"/>
-                        <a:t>2</a:t>
-                      </a:r>
-                      <a:r>
-                        <a:rPr lang="en-US" baseline="0" dirty="0"/>
-                        <a:t>(x), </a:t>
-                      </a:r>
-                      <a:r>
-                        <a:rPr lang="mr-IN" baseline="0" dirty="0"/>
-                        <a:t>…</a:t>
-                      </a:r>
-                      <a:r>
-                        <a:rPr lang="en-US" baseline="0" dirty="0"/>
-                        <a:t> </a:t>
-                      </a:r>
-                      <a:r>
-                        <a:rPr lang="en-US" baseline="0" dirty="0" err="1"/>
-                        <a:t>f</a:t>
-                      </a:r>
-                      <a:r>
-                        <a:rPr lang="en-US" baseline="-25000" dirty="0" err="1"/>
-                        <a:t>k</a:t>
-                      </a:r>
-                      <a:r>
-                        <a:rPr lang="en-US" baseline="0" dirty="0"/>
-                        <a:t>(x),</a:t>
-                      </a:r>
-                    </a:p>
-                    <a:p>
-                      <a:pPr marL="285750" indent="-285750">
-                        <a:buFont typeface="Arial" charset="0"/>
-                        <a:buChar char="•"/>
-                      </a:pPr>
-                      <a:r>
-                        <a:rPr lang="ru-RU" baseline="0" dirty="0"/>
-                        <a:t>Для проверки отсутствия элемента </a:t>
-                      </a:r>
-                      <a:r>
-                        <a:rPr lang="en-US" b="1" baseline="0" dirty="0"/>
-                        <a:t>y</a:t>
-                      </a:r>
-                      <a:r>
-                        <a:rPr lang="en-US" baseline="0" dirty="0"/>
-                        <a:t> </a:t>
-                      </a:r>
-                      <a:r>
-                        <a:rPr lang="ru-RU" baseline="0" dirty="0"/>
-                        <a:t>проверим,</a:t>
-                      </a:r>
-                      <a:r>
-                        <a:rPr lang="en-US" baseline="0" dirty="0"/>
-                        <a:t> </a:t>
-                      </a:r>
-                      <a:r>
-                        <a:rPr lang="ru-RU" baseline="0" dirty="0"/>
-                        <a:t>установлены ли биты на позициях</a:t>
-                      </a:r>
-                      <a:r>
-                        <a:rPr lang="en-US" baseline="0" dirty="0"/>
-                        <a:t> f</a:t>
-                      </a:r>
-                      <a:r>
-                        <a:rPr lang="en-US" baseline="-25000" dirty="0"/>
-                        <a:t>1</a:t>
-                      </a:r>
-                      <a:r>
-                        <a:rPr lang="en-US" baseline="0" dirty="0"/>
-                        <a:t>(y), f</a:t>
-                      </a:r>
-                      <a:r>
-                        <a:rPr lang="en-US" baseline="-25000" dirty="0"/>
-                        <a:t>2</a:t>
-                      </a:r>
-                      <a:r>
-                        <a:rPr lang="en-US" baseline="0" dirty="0"/>
-                        <a:t>(y), </a:t>
-                      </a:r>
-                      <a:r>
-                        <a:rPr lang="mr-IN" baseline="0" dirty="0"/>
-                        <a:t>…</a:t>
-                      </a:r>
-                      <a:r>
-                        <a:rPr lang="en-US" baseline="0" dirty="0"/>
-                        <a:t>, </a:t>
-                      </a:r>
-                      <a:r>
-                        <a:rPr lang="en-US" baseline="0" dirty="0" err="1"/>
-                        <a:t>f</a:t>
-                      </a:r>
-                      <a:r>
-                        <a:rPr lang="en-US" baseline="-25000" dirty="0" err="1"/>
-                        <a:t>k</a:t>
-                      </a:r>
-                      <a:r>
-                        <a:rPr lang="en-US" baseline="0" dirty="0"/>
-                        <a:t>(y).</a:t>
-                      </a:r>
-                    </a:p>
-                    <a:p>
-                      <a:pPr marL="285750" indent="-285750">
-                        <a:buFont typeface="Arial" charset="0"/>
-                        <a:buChar char="•"/>
-                      </a:pPr>
-                      <a:endParaRPr lang="en-US" baseline="0" dirty="0"/>
-                    </a:p>
-                    <a:p>
-                      <a:pPr marL="0" indent="0">
-                        <a:buFont typeface="Arial" charset="0"/>
-                        <a:buNone/>
-                      </a:pPr>
-                      <a:r>
-                        <a:rPr lang="ru-RU" baseline="0" dirty="0"/>
-                        <a:t>Если элементы </a:t>
-                      </a:r>
-                      <a:r>
-                        <a:rPr lang="en-US" baseline="0" dirty="0"/>
-                        <a:t>x</a:t>
-                      </a:r>
-                      <a:r>
-                        <a:rPr lang="ru-RU" baseline="0" dirty="0"/>
-                        <a:t> берутся из множества мощностью </a:t>
-                      </a:r>
-                      <a:r>
-                        <a:rPr lang="en-US" b="1" baseline="0" dirty="0"/>
-                        <a:t>N</a:t>
-                      </a:r>
-                      <a:r>
-                        <a:rPr lang="ru-RU" baseline="0" dirty="0"/>
-                        <a:t> и вероятность неправильного ответа «может присутствовать» не должна превышать </a:t>
-                      </a:r>
-                      <a:r>
-                        <a:rPr lang="en-US" b="1" baseline="0" dirty="0"/>
-                        <a:t>p</a:t>
-                      </a:r>
-                      <a:r>
-                        <a:rPr lang="en-US" baseline="0" dirty="0"/>
-                        <a:t>, </a:t>
-                      </a:r>
-                      <a:r>
-                        <a:rPr lang="ru-RU" baseline="0" dirty="0"/>
-                        <a:t>то для построения фильтра надо взять</a:t>
-                      </a:r>
-                      <a:endParaRPr lang="en-US" baseline="0" dirty="0"/>
-                    </a:p>
-                    <a:p>
-                      <a:pPr marL="0" indent="0" algn="ctr">
-                        <a:buFont typeface="Arial" charset="0"/>
-                        <a:buNone/>
-                      </a:pPr>
-                      <a:r>
-                        <a:rPr lang="en-US" baseline="0" dirty="0"/>
-                        <a:t>k &gt;= -log</a:t>
-                      </a:r>
-                      <a:r>
-                        <a:rPr lang="en-US" baseline="-25000" dirty="0"/>
-                        <a:t>2</a:t>
-                      </a:r>
-                      <a:r>
-                        <a:rPr lang="en-US" baseline="0" dirty="0"/>
-                        <a:t>(p)</a:t>
-                      </a:r>
-                    </a:p>
-                    <a:p>
-                      <a:pPr marL="0" indent="0">
-                        <a:buFont typeface="Arial" charset="0"/>
-                        <a:buNone/>
-                      </a:pPr>
-                      <a:r>
-                        <a:rPr lang="ru-RU" baseline="0" dirty="0"/>
-                        <a:t>хеш-функций и битовый массив длины</a:t>
-                      </a:r>
-                      <a:endParaRPr lang="en-US" baseline="0" dirty="0"/>
-                    </a:p>
-                    <a:p>
-                      <a:pPr marL="0" indent="0" algn="ctr">
-                        <a:buFont typeface="Arial" charset="0"/>
-                        <a:buNone/>
-                      </a:pPr>
-                      <a:r>
-                        <a:rPr lang="en-US" baseline="0" dirty="0"/>
-                        <a:t>m &gt;= k*N / ln(2)</a:t>
-                      </a:r>
-                      <a:endParaRPr lang="ru-RU" baseline="0" dirty="0"/>
-                    </a:p>
-                  </a:txBody>
-                  <a:tcPr/>
-                </a:tc>
-                <a:extLst>
-                  <a:ext uri="{0D108BD9-81ED-4DB2-BD59-A6C34878D82A}">
-                    <a16:rowId xmlns:a16="http://schemas.microsoft.com/office/drawing/2014/main" val="10002"/>
-                  </a:ext>
-                </a:extLst>
-              </a:tr>
             </a:tbl>
           </a:graphicData>
         </a:graphic>
@@ -22685,7 +22955,7 @@
     </p:spTree>
     <p:extLst>
       <p:ext uri="{BB962C8B-B14F-4D97-AF65-F5344CB8AC3E}">
-        <p14:creationId xmlns:p14="http://schemas.microsoft.com/office/powerpoint/2010/main" val="1526366547"/>
+        <p14:creationId xmlns:p14="http://schemas.microsoft.com/office/powerpoint/2010/main" val="1183185031"/>
       </p:ext>
     </p:extLst>
   </p:cSld>
@@ -22844,14 +23114,14 @@
           <p:nvPr>
             <p:extLst>
               <p:ext uri="{D42A27DB-BD31-4B8C-83A1-F6EECF244321}">
-                <p14:modId xmlns:p14="http://schemas.microsoft.com/office/powerpoint/2010/main" val="621370352"/>
+                <p14:modId xmlns:p14="http://schemas.microsoft.com/office/powerpoint/2010/main" val="1483257136"/>
               </p:ext>
             </p:extLst>
           </p:nvPr>
         </p:nvGraphicFramePr>
         <p:xfrm>
           <a:off x="0" y="365761"/>
-          <a:ext cx="12192000" cy="1645920"/>
+          <a:ext cx="12192000" cy="5674360"/>
         </p:xfrm>
         <a:graphic>
           <a:graphicData uri="http://schemas.openxmlformats.org/drawingml/2006/table">
@@ -22875,9 +23145,10 @@
                     <a:lstStyle/>
                     <a:p>
                       <a:r>
-                        <a:rPr lang="ru-RU" sz="2400" dirty="0"/>
-                        <a:t>Домашнее задание</a:t>
-                      </a:r>
+                        <a:rPr lang="en-US" sz="2400" dirty="0"/>
+                        <a:t>Bloom filters</a:t>
+                      </a:r>
+                      <a:endParaRPr lang="ru-RU" sz="2400" dirty="0"/>
                     </a:p>
                   </a:txBody>
                   <a:tcPr/>
@@ -22894,61 +23165,118 @@
                     <a:bodyPr/>
                     <a:lstStyle/>
                     <a:p>
-                      <a:pPr marL="342900" indent="-342900">
+                      <a:pPr marL="0" indent="0">
                         <a:buFont typeface="+mj-lt"/>
-                        <a:buAutoNum type="arabicPeriod"/>
+                        <a:buNone/>
                       </a:pPr>
                       <a:r>
-                        <a:rPr lang="ru-RU" dirty="0"/>
-                        <a:t>Написать </a:t>
-                      </a:r>
-                      <a:r>
-                        <a:rPr lang="en-US" dirty="0"/>
-                        <a:t>B-</a:t>
-                      </a:r>
-                      <a:r>
-                        <a:rPr lang="ru-RU" dirty="0"/>
-                        <a:t>дерево,</a:t>
-                      </a:r>
-                      <a:r>
                         <a:rPr lang="ru-RU" baseline="0" dirty="0"/>
-                        <a:t> которое хранит пары из 64-битного ключа и 64-битного значения. Удаление сделать как вставку</a:t>
+                        <a:t>Поиск</a:t>
+                      </a:r>
+                      <a:r>
+                        <a:rPr lang="en-US" baseline="0" dirty="0"/>
+                        <a:t> </a:t>
+                      </a:r>
+                      <a:r>
+                        <a:rPr lang="ru-RU" baseline="0" dirty="0"/>
+                        <a:t>в </a:t>
+                      </a:r>
+                      <a:r>
+                        <a:rPr lang="en-US" baseline="0" dirty="0"/>
+                        <a:t>LSM-</a:t>
+                      </a:r>
+                      <a:r>
+                        <a:rPr lang="ru-RU" baseline="0" dirty="0"/>
+                        <a:t>дереве приходится реализовывать как несколько поисков по его составляющим разных уровней.</a:t>
+                      </a:r>
+                    </a:p>
+                    <a:p>
+                      <a:pPr marL="0" indent="0">
+                        <a:buFont typeface="+mj-lt"/>
+                        <a:buNone/>
+                      </a:pPr>
+                      <a:endParaRPr lang="ru-RU" baseline="0" dirty="0"/>
+                    </a:p>
+                    <a:p>
+                      <a:pPr marL="0" indent="0">
+                        <a:buFont typeface="Arial" charset="0"/>
+                        <a:buNone/>
+                      </a:pPr>
+                      <a:r>
+                        <a:rPr lang="ru-RU" baseline="0" dirty="0"/>
+                        <a:t>Можно избежать поиска во многих деревьях </a:t>
+                      </a:r>
+                      <a:r>
+                        <a:rPr lang="en-US" baseline="0" dirty="0" err="1"/>
+                        <a:t>T</a:t>
+                      </a:r>
+                      <a:r>
+                        <a:rPr lang="en-US" baseline="-25000" dirty="0" err="1"/>
+                        <a:t>i</a:t>
+                      </a:r>
+                      <a:r>
+                        <a:rPr lang="ru-RU" baseline="0" dirty="0"/>
+                        <a:t>, если научиться быстро определять, что искомого ключа в </a:t>
+                      </a:r>
+                      <a:r>
+                        <a:rPr lang="en-US" baseline="0" dirty="0" err="1"/>
+                        <a:t>T</a:t>
+                      </a:r>
+                      <a:r>
+                        <a:rPr lang="en-US" baseline="-25000" dirty="0" err="1"/>
+                        <a:t>i</a:t>
+                      </a:r>
+                      <a:r>
+                        <a:rPr lang="en-US" baseline="0" dirty="0"/>
+                        <a:t> </a:t>
+                      </a:r>
+                      <a:r>
+                        <a:rPr lang="ru-RU" baseline="0" dirty="0"/>
+                        <a:t>не</a:t>
                       </a:r>
                       <a:br>
                         <a:rPr lang="ru-RU" baseline="0" dirty="0"/>
                       </a:br>
                       <a:r>
                         <a:rPr lang="ru-RU" baseline="0" dirty="0"/>
-                        <a:t>маркера удаления.</a:t>
-                      </a:r>
-                    </a:p>
-                    <a:p>
-                      <a:pPr marL="342900" indent="-342900">
-                        <a:buFont typeface="+mj-lt"/>
-                        <a:buAutoNum type="arabicPeriod"/>
+                        <a:t>содержится.  Это делает фильтр </a:t>
+                      </a:r>
+                      <a:r>
+                        <a:rPr lang="ru-RU" baseline="0" dirty="0" err="1"/>
+                        <a:t>Блума</a:t>
+                      </a:r>
+                      <a:r>
+                        <a:rPr lang="ru-RU" baseline="0" dirty="0"/>
+                        <a:t>, вероятностная структура данных, которая по множеству и ключу может</a:t>
+                      </a:r>
+                      <a:br>
+                        <a:rPr lang="ru-RU" baseline="0" dirty="0"/>
+                      </a:br>
+                      <a:r>
+                        <a:rPr lang="ru-RU" baseline="0" dirty="0"/>
+                        <a:t>выдавать ответы</a:t>
+                      </a:r>
+                    </a:p>
+                    <a:p>
+                      <a:pPr marL="285750" indent="-285750">
+                        <a:buFont typeface="Arial" charset="0"/>
+                        <a:buChar char="•"/>
                       </a:pPr>
                       <a:r>
                         <a:rPr lang="ru-RU" baseline="0" dirty="0"/>
-                        <a:t>Написать функцию для слияния двух </a:t>
-                      </a:r>
-                      <a:r>
-                        <a:rPr lang="en-US" baseline="0" dirty="0"/>
-                        <a:t>B-</a:t>
-                      </a:r>
+                        <a:t>элемента в множестве нет,</a:t>
+                      </a:r>
+                    </a:p>
+                    <a:p>
+                      <a:pPr marL="285750" indent="-285750">
+                        <a:buFont typeface="Arial" charset="0"/>
+                        <a:buChar char="•"/>
+                      </a:pPr>
                       <a:r>
                         <a:rPr lang="ru-RU" baseline="0" dirty="0"/>
-                        <a:t>деревьев.</a:t>
-                      </a:r>
-                    </a:p>
-                    <a:p>
-                      <a:pPr marL="342900" indent="-342900">
-                        <a:buFont typeface="+mj-lt"/>
-                        <a:buAutoNum type="arabicPeriod"/>
-                      </a:pPr>
-                      <a:r>
-                        <a:rPr lang="ru-RU" baseline="0" dirty="0"/>
-                        <a:t>Померять скорость вставки элементов со случайными ключами.</a:t>
-                      </a:r>
+                        <a:t>элемент в множестве может присутствовать.</a:t>
+                      </a:r>
+                      <a:endParaRPr lang="en-US" baseline="0" dirty="0"/>
                     </a:p>
                   </a:txBody>
                   <a:tcPr/>
@@ -22956,6 +23284,339 @@
                 <a:extLst>
                   <a:ext uri="{0D108BD9-81ED-4DB2-BD59-A6C34878D82A}">
                     <a16:rowId xmlns:a16="http://schemas.microsoft.com/office/drawing/2014/main" val="10001"/>
+                  </a:ext>
+                </a:extLst>
+              </a:tr>
+              <a:tr h="370840">
+                <a:tc>
+                  <a:txBody>
+                    <a:bodyPr/>
+                    <a:lstStyle/>
+                    <a:p>
+                      <a:pPr marL="0" indent="0">
+                        <a:buFont typeface="Arial" charset="0"/>
+                        <a:buNone/>
+                      </a:pPr>
+                      <a:r>
+                        <a:rPr lang="ru-RU" baseline="0" dirty="0"/>
+                        <a:t>Конструкция фильтра </a:t>
+                      </a:r>
+                      <a:r>
+                        <a:rPr lang="ru-RU" baseline="0" dirty="0" err="1"/>
+                        <a:t>Блума</a:t>
+                      </a:r>
+                      <a:r>
+                        <a:rPr lang="ru-RU" baseline="0" dirty="0"/>
+                        <a:t>: пусть имеется битовый массив длиной </a:t>
+                      </a:r>
+                      <a:r>
+                        <a:rPr lang="en-US" b="1" baseline="0" dirty="0"/>
+                        <a:t>m</a:t>
+                      </a:r>
+                      <a:r>
+                        <a:rPr lang="en-US" baseline="0" dirty="0"/>
+                        <a:t> </a:t>
+                      </a:r>
+                      <a:r>
+                        <a:rPr lang="ru-RU" baseline="0" dirty="0"/>
+                        <a:t>и </a:t>
+                      </a:r>
+                      <a:r>
+                        <a:rPr lang="en-US" b="1" baseline="0" dirty="0"/>
+                        <a:t>k</a:t>
+                      </a:r>
+                      <a:r>
+                        <a:rPr lang="en-US" baseline="0" dirty="0"/>
+                        <a:t> </a:t>
+                      </a:r>
+                      <a:r>
+                        <a:rPr lang="ru-RU" baseline="0" dirty="0"/>
+                        <a:t>независимых хеш-функций</a:t>
+                      </a:r>
+                      <a:r>
+                        <a:rPr lang="en-US" baseline="0" dirty="0"/>
+                        <a:t> </a:t>
+                      </a:r>
+                      <a:r>
+                        <a:rPr lang="en-US" b="1" baseline="0" dirty="0"/>
+                        <a:t>f</a:t>
+                      </a:r>
+                      <a:r>
+                        <a:rPr lang="en-US" b="1" baseline="-25000" dirty="0"/>
+                        <a:t>i</a:t>
+                      </a:r>
+                      <a:r>
+                        <a:rPr lang="ru-RU" baseline="0" dirty="0"/>
+                        <a:t>, принимающих значения в диапазоне </a:t>
+                      </a:r>
+                      <a:r>
+                        <a:rPr lang="en-US" baseline="0" dirty="0"/>
+                        <a:t>[0, m-1).</a:t>
+                      </a:r>
+                    </a:p>
+                    <a:p>
+                      <a:pPr marL="285750" indent="-285750">
+                        <a:buFont typeface="Arial" charset="0"/>
+                        <a:buChar char="•"/>
+                      </a:pPr>
+                      <a:r>
+                        <a:rPr lang="ru-RU" baseline="0" dirty="0"/>
+                        <a:t>При вставке элемента</a:t>
+                      </a:r>
+                      <a:r>
+                        <a:rPr lang="en-US" baseline="0" dirty="0"/>
+                        <a:t> </a:t>
+                      </a:r>
+                      <a:r>
+                        <a:rPr lang="en-US" b="1" baseline="0" dirty="0"/>
+                        <a:t>x</a:t>
+                      </a:r>
+                      <a:r>
+                        <a:rPr lang="en-US" baseline="0" dirty="0"/>
+                        <a:t> </a:t>
+                      </a:r>
+                      <a:r>
+                        <a:rPr lang="ru-RU" baseline="0" dirty="0"/>
+                        <a:t>установим в 1 биты, стоящие на местах </a:t>
+                      </a:r>
+                      <a:r>
+                        <a:rPr lang="en-US" baseline="0" dirty="0"/>
+                        <a:t>f</a:t>
+                      </a:r>
+                      <a:r>
+                        <a:rPr lang="en-US" baseline="-25000" dirty="0"/>
+                        <a:t>1</a:t>
+                      </a:r>
+                      <a:r>
+                        <a:rPr lang="en-US" baseline="0" dirty="0"/>
+                        <a:t>(x), f</a:t>
+                      </a:r>
+                      <a:r>
+                        <a:rPr lang="en-US" baseline="-25000" dirty="0"/>
+                        <a:t>2</a:t>
+                      </a:r>
+                      <a:r>
+                        <a:rPr lang="en-US" baseline="0" dirty="0"/>
+                        <a:t>(x), </a:t>
+                      </a:r>
+                      <a:r>
+                        <a:rPr lang="mr-IN" baseline="0" dirty="0"/>
+                        <a:t>…</a:t>
+                      </a:r>
+                      <a:r>
+                        <a:rPr lang="en-US" baseline="0" dirty="0"/>
+                        <a:t> </a:t>
+                      </a:r>
+                      <a:r>
+                        <a:rPr lang="en-US" baseline="0" dirty="0" err="1"/>
+                        <a:t>f</a:t>
+                      </a:r>
+                      <a:r>
+                        <a:rPr lang="en-US" baseline="-25000" dirty="0" err="1"/>
+                        <a:t>k</a:t>
+                      </a:r>
+                      <a:r>
+                        <a:rPr lang="en-US" baseline="0" dirty="0"/>
+                        <a:t>(x),</a:t>
+                      </a:r>
+                    </a:p>
+                    <a:p>
+                      <a:pPr marL="285750" indent="-285750">
+                        <a:buFont typeface="Arial" charset="0"/>
+                        <a:buChar char="•"/>
+                      </a:pPr>
+                      <a:r>
+                        <a:rPr lang="ru-RU" baseline="0" dirty="0"/>
+                        <a:t>Для проверки отсутствия элемента </a:t>
+                      </a:r>
+                      <a:r>
+                        <a:rPr lang="en-US" b="1" baseline="0" dirty="0"/>
+                        <a:t>y</a:t>
+                      </a:r>
+                      <a:r>
+                        <a:rPr lang="en-US" baseline="0" dirty="0"/>
+                        <a:t> </a:t>
+                      </a:r>
+                      <a:r>
+                        <a:rPr lang="ru-RU" baseline="0" dirty="0"/>
+                        <a:t>проверим,</a:t>
+                      </a:r>
+                      <a:r>
+                        <a:rPr lang="en-US" baseline="0" dirty="0"/>
+                        <a:t> </a:t>
+                      </a:r>
+                      <a:r>
+                        <a:rPr lang="ru-RU" baseline="0" dirty="0"/>
+                        <a:t>установлены ли биты на позициях</a:t>
+                      </a:r>
+                      <a:r>
+                        <a:rPr lang="en-US" baseline="0" dirty="0"/>
+                        <a:t> f</a:t>
+                      </a:r>
+                      <a:r>
+                        <a:rPr lang="en-US" baseline="-25000" dirty="0"/>
+                        <a:t>1</a:t>
+                      </a:r>
+                      <a:r>
+                        <a:rPr lang="en-US" baseline="0" dirty="0"/>
+                        <a:t>(y), f</a:t>
+                      </a:r>
+                      <a:r>
+                        <a:rPr lang="en-US" baseline="-25000" dirty="0"/>
+                        <a:t>2</a:t>
+                      </a:r>
+                      <a:r>
+                        <a:rPr lang="en-US" baseline="0" dirty="0"/>
+                        <a:t>(y), </a:t>
+                      </a:r>
+                      <a:r>
+                        <a:rPr lang="mr-IN" baseline="0" dirty="0"/>
+                        <a:t>…</a:t>
+                      </a:r>
+                      <a:r>
+                        <a:rPr lang="en-US" baseline="0" dirty="0"/>
+                        <a:t>, </a:t>
+                      </a:r>
+                      <a:r>
+                        <a:rPr lang="en-US" baseline="0" dirty="0" err="1"/>
+                        <a:t>f</a:t>
+                      </a:r>
+                      <a:r>
+                        <a:rPr lang="en-US" baseline="-25000" dirty="0" err="1"/>
+                        <a:t>k</a:t>
+                      </a:r>
+                      <a:r>
+                        <a:rPr lang="en-US" baseline="0" dirty="0"/>
+                        <a:t>(y).</a:t>
+                      </a:r>
+                    </a:p>
+                    <a:p>
+                      <a:pPr marL="285750" indent="-285750">
+                        <a:buFont typeface="Arial" charset="0"/>
+                        <a:buChar char="•"/>
+                      </a:pPr>
+                      <a:endParaRPr lang="en-US" baseline="0" dirty="0"/>
+                    </a:p>
+                    <a:p>
+                      <a:pPr marL="0" indent="0">
+                        <a:buFont typeface="Arial" charset="0"/>
+                        <a:buNone/>
+                      </a:pPr>
+                      <a:r>
+                        <a:rPr lang="ru-RU" baseline="0" dirty="0"/>
+                        <a:t>Если элементы </a:t>
+                      </a:r>
+                      <a:r>
+                        <a:rPr lang="en-US" baseline="0" dirty="0"/>
+                        <a:t>x</a:t>
+                      </a:r>
+                      <a:r>
+                        <a:rPr lang="ru-RU" baseline="0" dirty="0"/>
+                        <a:t> берутся из множества мощностью </a:t>
+                      </a:r>
+                      <a:r>
+                        <a:rPr lang="en-US" b="1" baseline="0" dirty="0"/>
+                        <a:t>N</a:t>
+                      </a:r>
+                      <a:r>
+                        <a:rPr lang="ru-RU" baseline="0" dirty="0"/>
+                        <a:t> и вероятность неправильного ответа «может присутствовать» не должна превышать </a:t>
+                      </a:r>
+                      <a:r>
+                        <a:rPr lang="en-US" b="1" baseline="0" dirty="0"/>
+                        <a:t>p</a:t>
+                      </a:r>
+                      <a:r>
+                        <a:rPr lang="en-US" baseline="0" dirty="0"/>
+                        <a:t>, </a:t>
+                      </a:r>
+                      <a:r>
+                        <a:rPr lang="ru-RU" baseline="0" dirty="0"/>
+                        <a:t>то для построения фильтра надо взять</a:t>
+                      </a:r>
+                      <a:endParaRPr lang="en-US" baseline="0" dirty="0"/>
+                    </a:p>
+                    <a:p>
+                      <a:pPr marL="0" indent="0" algn="ctr">
+                        <a:buFont typeface="Arial" charset="0"/>
+                        <a:buNone/>
+                      </a:pPr>
+                      <a:r>
+                        <a:rPr lang="en-US" baseline="0" dirty="0"/>
+                        <a:t>k &gt;= -log</a:t>
+                      </a:r>
+                      <a:r>
+                        <a:rPr lang="en-US" baseline="-25000" dirty="0"/>
+                        <a:t>2</a:t>
+                      </a:r>
+                      <a:r>
+                        <a:rPr lang="en-US" baseline="0" dirty="0"/>
+                        <a:t>(p)</a:t>
+                      </a:r>
+                    </a:p>
+                    <a:p>
+                      <a:pPr marL="0" indent="0">
+                        <a:buFont typeface="Arial" charset="0"/>
+                        <a:buNone/>
+                      </a:pPr>
+                      <a:r>
+                        <a:rPr lang="ru-RU" baseline="0" dirty="0"/>
+                        <a:t>хеш-функций и битовый массив длины</a:t>
+                      </a:r>
+                      <a:endParaRPr lang="en-US" baseline="0" dirty="0"/>
+                    </a:p>
+                    <a:p>
+                      <a:pPr marL="0" indent="0" algn="ctr">
+                        <a:buFont typeface="Arial" charset="0"/>
+                        <a:buNone/>
+                      </a:pPr>
+                      <a:r>
+                        <a:rPr lang="en-US" baseline="0" dirty="0"/>
+                        <a:t>m &gt;= k*N / ln(2)</a:t>
+                      </a:r>
+                      <a:endParaRPr lang="ru-RU" baseline="0" dirty="0"/>
+                    </a:p>
+                  </a:txBody>
+                  <a:tcPr/>
+                </a:tc>
+                <a:extLst>
+                  <a:ext uri="{0D108BD9-81ED-4DB2-BD59-A6C34878D82A}">
+                    <a16:rowId xmlns:a16="http://schemas.microsoft.com/office/drawing/2014/main" val="10002"/>
+                  </a:ext>
+                </a:extLst>
+              </a:tr>
+              <a:tr h="370840">
+                <a:tc>
+                  <a:txBody>
+                    <a:bodyPr/>
+                    <a:lstStyle/>
+                    <a:p>
+                      <a:pPr marL="0" indent="0" algn="l">
+                        <a:buFont typeface="Arial" charset="0"/>
+                        <a:buNone/>
+                      </a:pPr>
+                      <a:r>
+                        <a:rPr lang="ru-RU" baseline="0" dirty="0" smtClean="0"/>
+                        <a:t>Наглядная демонстрация работы: </a:t>
+                      </a:r>
+                      <a:r>
+                        <a:rPr lang="en-US" baseline="0" dirty="0" smtClean="0">
+                          <a:hlinkClick r:id="rId3"/>
+                        </a:rPr>
+                        <a:t>https://www.jasondavies.com/bloomfilter/</a:t>
+                      </a:r>
+                      <a:r>
+                        <a:rPr lang="ru-RU" baseline="0" dirty="0" smtClean="0"/>
+                        <a:t> </a:t>
+                      </a:r>
+                      <a:endParaRPr lang="ru-RU" baseline="0" dirty="0"/>
+                    </a:p>
+                  </a:txBody>
+                  <a:tcPr/>
+                </a:tc>
+                <a:extLst>
+                  <a:ext uri="{0D108BD9-81ED-4DB2-BD59-A6C34878D82A}">
+                    <a16:rowId xmlns:a16="http://schemas.microsoft.com/office/drawing/2014/main" val="1524889787"/>
                   </a:ext>
                 </a:extLst>
               </a:tr>
@@ -22966,7 +23627,7 @@
     </p:spTree>
     <p:extLst>
       <p:ext uri="{BB962C8B-B14F-4D97-AF65-F5344CB8AC3E}">
-        <p14:creationId xmlns:p14="http://schemas.microsoft.com/office/powerpoint/2010/main" val="4293403498"/>
+        <p14:creationId xmlns:p14="http://schemas.microsoft.com/office/powerpoint/2010/main" val="1526366547"/>
       </p:ext>
     </p:extLst>
   </p:cSld>
@@ -23116,10 +23777,138 @@
           </a:graphicData>
         </a:graphic>
       </p:graphicFrame>
+      <p:graphicFrame>
+        <p:nvGraphicFramePr>
+          <p:cNvPr id="2" name="Table 1"/>
+          <p:cNvGraphicFramePr>
+            <a:graphicFrameLocks noGrp="1"/>
+          </p:cNvGraphicFramePr>
+          <p:nvPr>
+            <p:extLst>
+              <p:ext uri="{D42A27DB-BD31-4B8C-83A1-F6EECF244321}">
+                <p14:modId xmlns:p14="http://schemas.microsoft.com/office/powerpoint/2010/main" val="621370352"/>
+              </p:ext>
+            </p:extLst>
+          </p:nvPr>
+        </p:nvGraphicFramePr>
+        <p:xfrm>
+          <a:off x="0" y="365761"/>
+          <a:ext cx="12192000" cy="1645920"/>
+        </p:xfrm>
+        <a:graphic>
+          <a:graphicData uri="http://schemas.openxmlformats.org/drawingml/2006/table">
+            <a:tbl>
+              <a:tblPr firstRow="1" bandRow="1">
+                <a:tableStyleId>{3B4B98B0-60AC-42C2-AFA5-B58CD77FA1E5}</a:tableStyleId>
+              </a:tblPr>
+              <a:tblGrid>
+                <a:gridCol w="12192000">
+                  <a:extLst>
+                    <a:ext uri="{9D8B030D-6E8A-4147-A177-3AD203B41FA5}">
+                      <a16:colId xmlns:a16="http://schemas.microsoft.com/office/drawing/2014/main" val="20000"/>
+                    </a:ext>
+                  </a:extLst>
+                </a:gridCol>
+              </a:tblGrid>
+              <a:tr h="370840">
+                <a:tc>
+                  <a:txBody>
+                    <a:bodyPr/>
+                    <a:lstStyle/>
+                    <a:p>
+                      <a:r>
+                        <a:rPr lang="ru-RU" sz="2400" dirty="0"/>
+                        <a:t>Домашнее задание</a:t>
+                      </a:r>
+                    </a:p>
+                  </a:txBody>
+                  <a:tcPr/>
+                </a:tc>
+                <a:extLst>
+                  <a:ext uri="{0D108BD9-81ED-4DB2-BD59-A6C34878D82A}">
+                    <a16:rowId xmlns:a16="http://schemas.microsoft.com/office/drawing/2014/main" val="10000"/>
+                  </a:ext>
+                </a:extLst>
+              </a:tr>
+              <a:tr h="370840">
+                <a:tc>
+                  <a:txBody>
+                    <a:bodyPr/>
+                    <a:lstStyle/>
+                    <a:p>
+                      <a:pPr marL="342900" indent="-342900">
+                        <a:buFont typeface="+mj-lt"/>
+                        <a:buAutoNum type="arabicPeriod"/>
+                      </a:pPr>
+                      <a:r>
+                        <a:rPr lang="ru-RU" dirty="0"/>
+                        <a:t>Написать </a:t>
+                      </a:r>
+                      <a:r>
+                        <a:rPr lang="en-US" dirty="0"/>
+                        <a:t>B-</a:t>
+                      </a:r>
+                      <a:r>
+                        <a:rPr lang="ru-RU" dirty="0"/>
+                        <a:t>дерево,</a:t>
+                      </a:r>
+                      <a:r>
+                        <a:rPr lang="ru-RU" baseline="0" dirty="0"/>
+                        <a:t> которое хранит пары из 64-битного ключа и 64-битного значения. Удаление сделать как вставку</a:t>
+                      </a:r>
+                      <a:br>
+                        <a:rPr lang="ru-RU" baseline="0" dirty="0"/>
+                      </a:br>
+                      <a:r>
+                        <a:rPr lang="ru-RU" baseline="0" dirty="0"/>
+                        <a:t>маркера удаления.</a:t>
+                      </a:r>
+                    </a:p>
+                    <a:p>
+                      <a:pPr marL="342900" indent="-342900">
+                        <a:buFont typeface="+mj-lt"/>
+                        <a:buAutoNum type="arabicPeriod"/>
+                      </a:pPr>
+                      <a:r>
+                        <a:rPr lang="ru-RU" baseline="0" dirty="0"/>
+                        <a:t>Написать функцию для слияния двух </a:t>
+                      </a:r>
+                      <a:r>
+                        <a:rPr lang="en-US" baseline="0" dirty="0"/>
+                        <a:t>B-</a:t>
+                      </a:r>
+                      <a:r>
+                        <a:rPr lang="ru-RU" baseline="0" dirty="0"/>
+                        <a:t>деревьев.</a:t>
+                      </a:r>
+                    </a:p>
+                    <a:p>
+                      <a:pPr marL="342900" indent="-342900">
+                        <a:buFont typeface="+mj-lt"/>
+                        <a:buAutoNum type="arabicPeriod"/>
+                      </a:pPr>
+                      <a:r>
+                        <a:rPr lang="ru-RU" baseline="0" dirty="0"/>
+                        <a:t>Померять скорость вставки элементов со случайными ключами.</a:t>
+                      </a:r>
+                    </a:p>
+                  </a:txBody>
+                  <a:tcPr/>
+                </a:tc>
+                <a:extLst>
+                  <a:ext uri="{0D108BD9-81ED-4DB2-BD59-A6C34878D82A}">
+                    <a16:rowId xmlns:a16="http://schemas.microsoft.com/office/drawing/2014/main" val="10001"/>
+                  </a:ext>
+                </a:extLst>
+              </a:tr>
+            </a:tbl>
+          </a:graphicData>
+        </a:graphic>
+      </p:graphicFrame>
     </p:spTree>
     <p:extLst>
       <p:ext uri="{BB962C8B-B14F-4D97-AF65-F5344CB8AC3E}">
-        <p14:creationId xmlns:p14="http://schemas.microsoft.com/office/powerpoint/2010/main" val="1317787021"/>
+        <p14:creationId xmlns:p14="http://schemas.microsoft.com/office/powerpoint/2010/main" val="4293403498"/>
       </p:ext>
     </p:extLst>
   </p:cSld>
@@ -26366,6 +27155,10 @@
               </a:rPr>
               <a:t>K</a:t>
             </a:r>
+            <a:r>
+              <a:rPr lang="ru-RU" dirty="0"/>
+              <a:t/>
+            </a:r>
             <a:br>
               <a:rPr lang="ru-RU" dirty="0"/>
             </a:br>
@@ -29300,6 +30093,10 @@
                 </a:solidFill>
               </a:rPr>
               <a:t>D</a:t>
+            </a:r>
+            <a:r>
+              <a:rPr lang="en-US" dirty="0"/>
+              <a:t/>
             </a:r>
             <a:br>
               <a:rPr lang="en-US" dirty="0"/>
